--- a/サイト設計図.pptx
+++ b/サイト設計図.pptx
@@ -4,10 +4,18 @@
   <p:sldMasterIdLst>
     <p:sldMasterId id="2147483648" r:id="rId1"/>
   </p:sldMasterIdLst>
+  <p:notesMasterIdLst>
+    <p:notesMasterId r:id="rId10"/>
+  </p:notesMasterIdLst>
   <p:sldIdLst>
     <p:sldId id="256" r:id="rId2"/>
     <p:sldId id="257" r:id="rId3"/>
     <p:sldId id="258" r:id="rId4"/>
+    <p:sldId id="259" r:id="rId5"/>
+    <p:sldId id="260" r:id="rId6"/>
+    <p:sldId id="261" r:id="rId7"/>
+    <p:sldId id="262" r:id="rId8"/>
+    <p:sldId id="263" r:id="rId9"/>
   </p:sldIdLst>
   <p:sldSz cx="12192000" cy="6858000"/>
   <p:notesSz cx="6858000" cy="9144000"/>
@@ -364,6 +372,471 @@
 </pc:chgInfo>
 </file>
 
+<file path=ppt/notesMasters/notesMaster1.xml><?xml version="1.0" encoding="utf-8"?>
+<p:notesMaster xmlns:a="http://schemas.openxmlformats.org/drawingml/2006/main" xmlns:r="http://schemas.openxmlformats.org/officeDocument/2006/relationships" xmlns:p="http://schemas.openxmlformats.org/presentationml/2006/main">
+  <p:cSld>
+    <p:bg>
+      <p:bgRef idx="1001">
+        <a:schemeClr val="bg1"/>
+      </p:bgRef>
+    </p:bg>
+    <p:spTree>
+      <p:nvGrpSpPr>
+        <p:cNvPr id="1" name=""/>
+        <p:cNvGrpSpPr/>
+        <p:nvPr/>
+      </p:nvGrpSpPr>
+      <p:grpSpPr>
+        <a:xfrm>
+          <a:off x="0" y="0"/>
+          <a:ext cx="0" cy="0"/>
+          <a:chOff x="0" y="0"/>
+          <a:chExt cx="0" cy="0"/>
+        </a:xfrm>
+      </p:grpSpPr>
+      <p:sp>
+        <p:nvSpPr>
+          <p:cNvPr id="2" name="ヘッダー プレースホルダー 1"/>
+          <p:cNvSpPr>
+            <a:spLocks noGrp="1"/>
+          </p:cNvSpPr>
+          <p:nvPr>
+            <p:ph type="hdr" sz="quarter"/>
+          </p:nvPr>
+        </p:nvSpPr>
+        <p:spPr>
+          <a:xfrm>
+            <a:off x="0" y="0"/>
+            <a:ext cx="2971800" cy="458788"/>
+          </a:xfrm>
+          <a:prstGeom prst="rect">
+            <a:avLst/>
+          </a:prstGeom>
+        </p:spPr>
+        <p:txBody>
+          <a:bodyPr vert="horz" lIns="91440" tIns="45720" rIns="91440" bIns="45720" rtlCol="0"/>
+          <a:lstStyle>
+            <a:lvl1pPr algn="l">
+              <a:defRPr sz="1200"/>
+            </a:lvl1pPr>
+          </a:lstStyle>
+          <a:p>
+            <a:endParaRPr kumimoji="1" lang="ja-JP" altLang="en-US"/>
+          </a:p>
+        </p:txBody>
+      </p:sp>
+      <p:sp>
+        <p:nvSpPr>
+          <p:cNvPr id="3" name="日付プレースホルダー 2"/>
+          <p:cNvSpPr>
+            <a:spLocks noGrp="1"/>
+          </p:cNvSpPr>
+          <p:nvPr>
+            <p:ph type="dt" idx="1"/>
+          </p:nvPr>
+        </p:nvSpPr>
+        <p:spPr>
+          <a:xfrm>
+            <a:off x="3884613" y="0"/>
+            <a:ext cx="2971800" cy="458788"/>
+          </a:xfrm>
+          <a:prstGeom prst="rect">
+            <a:avLst/>
+          </a:prstGeom>
+        </p:spPr>
+        <p:txBody>
+          <a:bodyPr vert="horz" lIns="91440" tIns="45720" rIns="91440" bIns="45720" rtlCol="0"/>
+          <a:lstStyle>
+            <a:lvl1pPr algn="r">
+              <a:defRPr sz="1200"/>
+            </a:lvl1pPr>
+          </a:lstStyle>
+          <a:p>
+            <a:fld id="{40C1427B-F86A-466B-9FE2-3CFBE877D76D}" type="datetimeFigureOut">
+              <a:rPr kumimoji="1" lang="ja-JP" altLang="en-US" smtClean="0"/>
+              <a:t>2023/2/21</a:t>
+            </a:fld>
+            <a:endParaRPr kumimoji="1" lang="ja-JP" altLang="en-US"/>
+          </a:p>
+        </p:txBody>
+      </p:sp>
+      <p:sp>
+        <p:nvSpPr>
+          <p:cNvPr id="4" name="スライド イメージ プレースホルダー 3"/>
+          <p:cNvSpPr>
+            <a:spLocks noGrp="1" noRot="1" noChangeAspect="1"/>
+          </p:cNvSpPr>
+          <p:nvPr>
+            <p:ph type="sldImg" idx="2"/>
+          </p:nvPr>
+        </p:nvSpPr>
+        <p:spPr>
+          <a:xfrm>
+            <a:off x="685800" y="1143000"/>
+            <a:ext cx="5486400" cy="3086100"/>
+          </a:xfrm>
+          <a:prstGeom prst="rect">
+            <a:avLst/>
+          </a:prstGeom>
+          <a:noFill/>
+          <a:ln w="12700">
+            <a:solidFill>
+              <a:prstClr val="black"/>
+            </a:solidFill>
+          </a:ln>
+        </p:spPr>
+        <p:txBody>
+          <a:bodyPr vert="horz" lIns="91440" tIns="45720" rIns="91440" bIns="45720" rtlCol="0" anchor="ctr"/>
+          <a:lstStyle/>
+          <a:p>
+            <a:endParaRPr lang="ja-JP" altLang="en-US"/>
+          </a:p>
+        </p:txBody>
+      </p:sp>
+      <p:sp>
+        <p:nvSpPr>
+          <p:cNvPr id="5" name="ノート プレースホルダー 4"/>
+          <p:cNvSpPr>
+            <a:spLocks noGrp="1"/>
+          </p:cNvSpPr>
+          <p:nvPr>
+            <p:ph type="body" sz="quarter" idx="3"/>
+          </p:nvPr>
+        </p:nvSpPr>
+        <p:spPr>
+          <a:xfrm>
+            <a:off x="685800" y="4400550"/>
+            <a:ext cx="5486400" cy="3600450"/>
+          </a:xfrm>
+          <a:prstGeom prst="rect">
+            <a:avLst/>
+          </a:prstGeom>
+        </p:spPr>
+        <p:txBody>
+          <a:bodyPr vert="horz" lIns="91440" tIns="45720" rIns="91440" bIns="45720" rtlCol="0"/>
+          <a:lstStyle/>
+          <a:p>
+            <a:pPr lvl="0"/>
+            <a:r>
+              <a:rPr kumimoji="1" lang="ja-JP" altLang="en-US"/>
+              <a:t>マスター テキストの書式設定</a:t>
+            </a:r>
+          </a:p>
+          <a:p>
+            <a:pPr lvl="1"/>
+            <a:r>
+              <a:rPr kumimoji="1" lang="ja-JP" altLang="en-US"/>
+              <a:t>第 </a:t>
+            </a:r>
+            <a:r>
+              <a:rPr kumimoji="1" lang="en-US" altLang="ja-JP"/>
+              <a:t>2 </a:t>
+            </a:r>
+            <a:r>
+              <a:rPr kumimoji="1" lang="ja-JP" altLang="en-US"/>
+              <a:t>レベル</a:t>
+            </a:r>
+          </a:p>
+          <a:p>
+            <a:pPr lvl="2"/>
+            <a:r>
+              <a:rPr kumimoji="1" lang="ja-JP" altLang="en-US"/>
+              <a:t>第 </a:t>
+            </a:r>
+            <a:r>
+              <a:rPr kumimoji="1" lang="en-US" altLang="ja-JP"/>
+              <a:t>3 </a:t>
+            </a:r>
+            <a:r>
+              <a:rPr kumimoji="1" lang="ja-JP" altLang="en-US"/>
+              <a:t>レベル</a:t>
+            </a:r>
+          </a:p>
+          <a:p>
+            <a:pPr lvl="3"/>
+            <a:r>
+              <a:rPr kumimoji="1" lang="ja-JP" altLang="en-US"/>
+              <a:t>第 </a:t>
+            </a:r>
+            <a:r>
+              <a:rPr kumimoji="1" lang="en-US" altLang="ja-JP"/>
+              <a:t>4 </a:t>
+            </a:r>
+            <a:r>
+              <a:rPr kumimoji="1" lang="ja-JP" altLang="en-US"/>
+              <a:t>レベル</a:t>
+            </a:r>
+          </a:p>
+          <a:p>
+            <a:pPr lvl="4"/>
+            <a:r>
+              <a:rPr kumimoji="1" lang="ja-JP" altLang="en-US"/>
+              <a:t>第 </a:t>
+            </a:r>
+            <a:r>
+              <a:rPr kumimoji="1" lang="en-US" altLang="ja-JP"/>
+              <a:t>5 </a:t>
+            </a:r>
+            <a:r>
+              <a:rPr kumimoji="1" lang="ja-JP" altLang="en-US"/>
+              <a:t>レベル</a:t>
+            </a:r>
+          </a:p>
+        </p:txBody>
+      </p:sp>
+      <p:sp>
+        <p:nvSpPr>
+          <p:cNvPr id="6" name="フッター プレースホルダー 5"/>
+          <p:cNvSpPr>
+            <a:spLocks noGrp="1"/>
+          </p:cNvSpPr>
+          <p:nvPr>
+            <p:ph type="ftr" sz="quarter" idx="4"/>
+          </p:nvPr>
+        </p:nvSpPr>
+        <p:spPr>
+          <a:xfrm>
+            <a:off x="0" y="8685213"/>
+            <a:ext cx="2971800" cy="458787"/>
+          </a:xfrm>
+          <a:prstGeom prst="rect">
+            <a:avLst/>
+          </a:prstGeom>
+        </p:spPr>
+        <p:txBody>
+          <a:bodyPr vert="horz" lIns="91440" tIns="45720" rIns="91440" bIns="45720" rtlCol="0" anchor="b"/>
+          <a:lstStyle>
+            <a:lvl1pPr algn="l">
+              <a:defRPr sz="1200"/>
+            </a:lvl1pPr>
+          </a:lstStyle>
+          <a:p>
+            <a:endParaRPr kumimoji="1" lang="ja-JP" altLang="en-US"/>
+          </a:p>
+        </p:txBody>
+      </p:sp>
+      <p:sp>
+        <p:nvSpPr>
+          <p:cNvPr id="7" name="スライド番号プレースホルダー 6"/>
+          <p:cNvSpPr>
+            <a:spLocks noGrp="1"/>
+          </p:cNvSpPr>
+          <p:nvPr>
+            <p:ph type="sldNum" sz="quarter" idx="5"/>
+          </p:nvPr>
+        </p:nvSpPr>
+        <p:spPr>
+          <a:xfrm>
+            <a:off x="3884613" y="8685213"/>
+            <a:ext cx="2971800" cy="458787"/>
+          </a:xfrm>
+          <a:prstGeom prst="rect">
+            <a:avLst/>
+          </a:prstGeom>
+        </p:spPr>
+        <p:txBody>
+          <a:bodyPr vert="horz" lIns="91440" tIns="45720" rIns="91440" bIns="45720" rtlCol="0" anchor="b"/>
+          <a:lstStyle>
+            <a:lvl1pPr algn="r">
+              <a:defRPr sz="1200"/>
+            </a:lvl1pPr>
+          </a:lstStyle>
+          <a:p>
+            <a:fld id="{B45408DD-310D-4D9F-B05B-A929328AB39D}" type="slidenum">
+              <a:rPr kumimoji="1" lang="ja-JP" altLang="en-US" smtClean="0"/>
+              <a:t>‹#›</a:t>
+            </a:fld>
+            <a:endParaRPr kumimoji="1" lang="ja-JP" altLang="en-US"/>
+          </a:p>
+        </p:txBody>
+      </p:sp>
+    </p:spTree>
+    <p:extLst>
+      <p:ext uri="{BB962C8B-B14F-4D97-AF65-F5344CB8AC3E}">
+        <p14:creationId xmlns:p14="http://schemas.microsoft.com/office/powerpoint/2010/main" val="1612479389"/>
+      </p:ext>
+    </p:extLst>
+  </p:cSld>
+  <p:clrMap bg1="lt1" tx1="dk1" bg2="lt2" tx2="dk2" accent1="accent1" accent2="accent2" accent3="accent3" accent4="accent4" accent5="accent5" accent6="accent6" hlink="hlink" folHlink="folHlink"/>
+  <p:notesStyle>
+    <a:lvl1pPr marL="0" algn="l" defTabSz="914400" rtl="0" eaLnBrk="1" latinLnBrk="0" hangingPunct="1">
+      <a:defRPr kumimoji="1" sz="1200" kern="1200">
+        <a:solidFill>
+          <a:schemeClr val="tx1"/>
+        </a:solidFill>
+        <a:latin typeface="+mn-lt"/>
+        <a:ea typeface="+mn-ea"/>
+        <a:cs typeface="+mn-cs"/>
+      </a:defRPr>
+    </a:lvl1pPr>
+    <a:lvl2pPr marL="457200" algn="l" defTabSz="914400" rtl="0" eaLnBrk="1" latinLnBrk="0" hangingPunct="1">
+      <a:defRPr kumimoji="1" sz="1200" kern="1200">
+        <a:solidFill>
+          <a:schemeClr val="tx1"/>
+        </a:solidFill>
+        <a:latin typeface="+mn-lt"/>
+        <a:ea typeface="+mn-ea"/>
+        <a:cs typeface="+mn-cs"/>
+      </a:defRPr>
+    </a:lvl2pPr>
+    <a:lvl3pPr marL="914400" algn="l" defTabSz="914400" rtl="0" eaLnBrk="1" latinLnBrk="0" hangingPunct="1">
+      <a:defRPr kumimoji="1" sz="1200" kern="1200">
+        <a:solidFill>
+          <a:schemeClr val="tx1"/>
+        </a:solidFill>
+        <a:latin typeface="+mn-lt"/>
+        <a:ea typeface="+mn-ea"/>
+        <a:cs typeface="+mn-cs"/>
+      </a:defRPr>
+    </a:lvl3pPr>
+    <a:lvl4pPr marL="1371600" algn="l" defTabSz="914400" rtl="0" eaLnBrk="1" latinLnBrk="0" hangingPunct="1">
+      <a:defRPr kumimoji="1" sz="1200" kern="1200">
+        <a:solidFill>
+          <a:schemeClr val="tx1"/>
+        </a:solidFill>
+        <a:latin typeface="+mn-lt"/>
+        <a:ea typeface="+mn-ea"/>
+        <a:cs typeface="+mn-cs"/>
+      </a:defRPr>
+    </a:lvl4pPr>
+    <a:lvl5pPr marL="1828800" algn="l" defTabSz="914400" rtl="0" eaLnBrk="1" latinLnBrk="0" hangingPunct="1">
+      <a:defRPr kumimoji="1" sz="1200" kern="1200">
+        <a:solidFill>
+          <a:schemeClr val="tx1"/>
+        </a:solidFill>
+        <a:latin typeface="+mn-lt"/>
+        <a:ea typeface="+mn-ea"/>
+        <a:cs typeface="+mn-cs"/>
+      </a:defRPr>
+    </a:lvl5pPr>
+    <a:lvl6pPr marL="2286000" algn="l" defTabSz="914400" rtl="0" eaLnBrk="1" latinLnBrk="0" hangingPunct="1">
+      <a:defRPr kumimoji="1" sz="1200" kern="1200">
+        <a:solidFill>
+          <a:schemeClr val="tx1"/>
+        </a:solidFill>
+        <a:latin typeface="+mn-lt"/>
+        <a:ea typeface="+mn-ea"/>
+        <a:cs typeface="+mn-cs"/>
+      </a:defRPr>
+    </a:lvl6pPr>
+    <a:lvl7pPr marL="2743200" algn="l" defTabSz="914400" rtl="0" eaLnBrk="1" latinLnBrk="0" hangingPunct="1">
+      <a:defRPr kumimoji="1" sz="1200" kern="1200">
+        <a:solidFill>
+          <a:schemeClr val="tx1"/>
+        </a:solidFill>
+        <a:latin typeface="+mn-lt"/>
+        <a:ea typeface="+mn-ea"/>
+        <a:cs typeface="+mn-cs"/>
+      </a:defRPr>
+    </a:lvl7pPr>
+    <a:lvl8pPr marL="3200400" algn="l" defTabSz="914400" rtl="0" eaLnBrk="1" latinLnBrk="0" hangingPunct="1">
+      <a:defRPr kumimoji="1" sz="1200" kern="1200">
+        <a:solidFill>
+          <a:schemeClr val="tx1"/>
+        </a:solidFill>
+        <a:latin typeface="+mn-lt"/>
+        <a:ea typeface="+mn-ea"/>
+        <a:cs typeface="+mn-cs"/>
+      </a:defRPr>
+    </a:lvl8pPr>
+    <a:lvl9pPr marL="3657600" algn="l" defTabSz="914400" rtl="0" eaLnBrk="1" latinLnBrk="0" hangingPunct="1">
+      <a:defRPr kumimoji="1" sz="1200" kern="1200">
+        <a:solidFill>
+          <a:schemeClr val="tx1"/>
+        </a:solidFill>
+        <a:latin typeface="+mn-lt"/>
+        <a:ea typeface="+mn-ea"/>
+        <a:cs typeface="+mn-cs"/>
+      </a:defRPr>
+    </a:lvl9pPr>
+  </p:notesStyle>
+</p:notesMaster>
+</file>
+
+<file path=ppt/notesSlides/notesSlide1.xml><?xml version="1.0" encoding="utf-8"?>
+<p:notes xmlns:a="http://schemas.openxmlformats.org/drawingml/2006/main" xmlns:r="http://schemas.openxmlformats.org/officeDocument/2006/relationships" xmlns:p="http://schemas.openxmlformats.org/presentationml/2006/main">
+  <p:cSld>
+    <p:spTree>
+      <p:nvGrpSpPr>
+        <p:cNvPr id="1" name=""/>
+        <p:cNvGrpSpPr/>
+        <p:nvPr/>
+      </p:nvGrpSpPr>
+      <p:grpSpPr>
+        <a:xfrm>
+          <a:off x="0" y="0"/>
+          <a:ext cx="0" cy="0"/>
+          <a:chOff x="0" y="0"/>
+          <a:chExt cx="0" cy="0"/>
+        </a:xfrm>
+      </p:grpSpPr>
+      <p:sp>
+        <p:nvSpPr>
+          <p:cNvPr id="2" name="スライド イメージ プレースホルダー 1"/>
+          <p:cNvSpPr>
+            <a:spLocks noGrp="1" noRot="1" noChangeAspect="1"/>
+          </p:cNvSpPr>
+          <p:nvPr>
+            <p:ph type="sldImg"/>
+          </p:nvPr>
+        </p:nvSpPr>
+        <p:spPr/>
+      </p:sp>
+      <p:sp>
+        <p:nvSpPr>
+          <p:cNvPr id="3" name="ノート プレースホルダー 2"/>
+          <p:cNvSpPr>
+            <a:spLocks noGrp="1"/>
+          </p:cNvSpPr>
+          <p:nvPr>
+            <p:ph type="body" idx="1"/>
+          </p:nvPr>
+        </p:nvSpPr>
+        <p:spPr/>
+        <p:txBody>
+          <a:bodyPr/>
+          <a:lstStyle/>
+          <a:p>
+            <a:endParaRPr kumimoji="1" lang="ja-JP" altLang="en-US" dirty="0"/>
+          </a:p>
+        </p:txBody>
+      </p:sp>
+      <p:sp>
+        <p:nvSpPr>
+          <p:cNvPr id="4" name="スライド番号プレースホルダー 3"/>
+          <p:cNvSpPr>
+            <a:spLocks noGrp="1"/>
+          </p:cNvSpPr>
+          <p:nvPr>
+            <p:ph type="sldNum" sz="quarter" idx="5"/>
+          </p:nvPr>
+        </p:nvSpPr>
+        <p:spPr/>
+        <p:txBody>
+          <a:bodyPr/>
+          <a:lstStyle/>
+          <a:p>
+            <a:fld id="{B45408DD-310D-4D9F-B05B-A929328AB39D}" type="slidenum">
+              <a:rPr kumimoji="1" lang="ja-JP" altLang="en-US" smtClean="0"/>
+              <a:t>4</a:t>
+            </a:fld>
+            <a:endParaRPr kumimoji="1" lang="ja-JP" altLang="en-US"/>
+          </a:p>
+        </p:txBody>
+      </p:sp>
+    </p:spTree>
+    <p:extLst>
+      <p:ext uri="{BB962C8B-B14F-4D97-AF65-F5344CB8AC3E}">
+        <p14:creationId xmlns:p14="http://schemas.microsoft.com/office/powerpoint/2010/main" val="1407099793"/>
+      </p:ext>
+    </p:extLst>
+  </p:cSld>
+  <p:clrMapOvr>
+    <a:masterClrMapping/>
+  </p:clrMapOvr>
+</p:notes>
+</file>
+
 <file path=ppt/slideLayouts/slideLayout1.xml><?xml version="1.0" encoding="utf-8"?>
 <p:sldLayout xmlns:a="http://schemas.openxmlformats.org/drawingml/2006/main" xmlns:r="http://schemas.openxmlformats.org/officeDocument/2006/relationships" xmlns:p="http://schemas.openxmlformats.org/presentationml/2006/main" type="title" preserve="1">
   <p:cSld name="タイトル スライド">
@@ -2014,6 +2487,1857 @@
 </p:sld>
 </file>
 
+<file path=ppt/slides/slide4.xml><?xml version="1.0" encoding="utf-8"?>
+<p:sld xmlns:a="http://schemas.openxmlformats.org/drawingml/2006/main" xmlns:r="http://schemas.openxmlformats.org/officeDocument/2006/relationships" xmlns:p="http://schemas.openxmlformats.org/presentationml/2006/main">
+  <p:cSld>
+    <p:spTree>
+      <p:nvGrpSpPr>
+        <p:cNvPr id="1" name=""/>
+        <p:cNvGrpSpPr/>
+        <p:nvPr/>
+      </p:nvGrpSpPr>
+      <p:grpSpPr>
+        <a:xfrm>
+          <a:off x="0" y="0"/>
+          <a:ext cx="0" cy="0"/>
+          <a:chOff x="0" y="0"/>
+          <a:chExt cx="0" cy="0"/>
+        </a:xfrm>
+      </p:grpSpPr>
+      <p:sp>
+        <p:nvSpPr>
+          <p:cNvPr id="2" name="テキスト ボックス 1">
+            <a:extLst>
+              <a:ext uri="{FF2B5EF4-FFF2-40B4-BE49-F238E27FC236}">
+                <a16:creationId xmlns:a16="http://schemas.microsoft.com/office/drawing/2014/main" id="{D66E61A2-BB78-43B1-A744-ABB7E3D6EC4C}"/>
+              </a:ext>
+            </a:extLst>
+          </p:cNvPr>
+          <p:cNvSpPr txBox="1"/>
+          <p:nvPr/>
+        </p:nvSpPr>
+        <p:spPr>
+          <a:xfrm>
+            <a:off x="754602" y="488272"/>
+            <a:ext cx="7901126" cy="707886"/>
+          </a:xfrm>
+          <a:prstGeom prst="rect">
+            <a:avLst/>
+          </a:prstGeom>
+          <a:noFill/>
+        </p:spPr>
+        <p:txBody>
+          <a:bodyPr wrap="square" rtlCol="0">
+            <a:spAutoFit/>
+          </a:bodyPr>
+          <a:lstStyle/>
+          <a:p>
+            <a:r>
+              <a:rPr lang="ja-JP" altLang="en-US" sz="4000" dirty="0"/>
+              <a:t>ポートフォリオ</a:t>
+            </a:r>
+            <a:r>
+              <a:rPr lang="en-US" altLang="ja-JP" sz="4000" dirty="0"/>
+              <a:t>2023</a:t>
+            </a:r>
+            <a:endParaRPr kumimoji="1" lang="ja-JP" altLang="en-US" sz="2000" dirty="0"/>
+          </a:p>
+        </p:txBody>
+      </p:sp>
+      <p:sp>
+        <p:nvSpPr>
+          <p:cNvPr id="4" name="テキスト ボックス 3">
+            <a:extLst>
+              <a:ext uri="{FF2B5EF4-FFF2-40B4-BE49-F238E27FC236}">
+                <a16:creationId xmlns:a16="http://schemas.microsoft.com/office/drawing/2014/main" id="{0C7E70E6-005E-4412-9596-52F0094E0A45}"/>
+              </a:ext>
+            </a:extLst>
+          </p:cNvPr>
+          <p:cNvSpPr txBox="1"/>
+          <p:nvPr/>
+        </p:nvSpPr>
+        <p:spPr>
+          <a:xfrm>
+            <a:off x="701592" y="1257016"/>
+            <a:ext cx="10185069" cy="1938992"/>
+          </a:xfrm>
+          <a:prstGeom prst="rect">
+            <a:avLst/>
+          </a:prstGeom>
+          <a:noFill/>
+        </p:spPr>
+        <p:txBody>
+          <a:bodyPr wrap="square" rtlCol="0">
+            <a:spAutoFit/>
+          </a:bodyPr>
+          <a:lstStyle/>
+          <a:p>
+            <a:r>
+              <a:rPr kumimoji="1" lang="ja-JP" altLang="en-US" sz="2000" dirty="0"/>
+              <a:t>目的</a:t>
+            </a:r>
+            <a:r>
+              <a:rPr kumimoji="1" lang="en-US" altLang="ja-JP" sz="2000" dirty="0"/>
+              <a:t>		</a:t>
+            </a:r>
+            <a:r>
+              <a:rPr kumimoji="1" lang="ja-JP" altLang="en-US" sz="2000" dirty="0"/>
+              <a:t>：就活アピール</a:t>
+            </a:r>
+            <a:endParaRPr kumimoji="1" lang="en-US" altLang="ja-JP" sz="2000" dirty="0"/>
+          </a:p>
+          <a:p>
+            <a:r>
+              <a:rPr lang="ja-JP" altLang="en-US" sz="2000" dirty="0"/>
+              <a:t>ターゲット</a:t>
+            </a:r>
+            <a:r>
+              <a:rPr lang="en-US" altLang="ja-JP" sz="2000" dirty="0"/>
+              <a:t>	</a:t>
+            </a:r>
+            <a:r>
+              <a:rPr lang="ja-JP" altLang="en-US" sz="2000" dirty="0"/>
+              <a:t>：任天堂，</a:t>
+            </a:r>
+            <a:r>
+              <a:rPr lang="en-US" altLang="ja-JP" sz="2000" dirty="0"/>
+              <a:t>IS</a:t>
+            </a:r>
+            <a:r>
+              <a:rPr lang="ja-JP" altLang="en-US" sz="2000" dirty="0"/>
+              <a:t>，モノリス等錚々たる面々</a:t>
+            </a:r>
+            <a:endParaRPr lang="en-US" altLang="ja-JP" sz="2000" dirty="0"/>
+          </a:p>
+          <a:p>
+            <a:r>
+              <a:rPr lang="ja-JP" altLang="en-US" sz="2000" dirty="0"/>
+              <a:t>コンセプト</a:t>
+            </a:r>
+            <a:r>
+              <a:rPr lang="en-US" altLang="ja-JP" sz="2000" dirty="0"/>
+              <a:t>	</a:t>
+            </a:r>
+            <a:r>
+              <a:rPr lang="ja-JP" altLang="en-US" sz="2000" dirty="0"/>
+              <a:t>：秒でわかる動画，作った作品・企画書とフィードバック，反省点</a:t>
+            </a:r>
+            <a:endParaRPr lang="en-US" altLang="ja-JP" sz="2000" dirty="0"/>
+          </a:p>
+          <a:p>
+            <a:endParaRPr kumimoji="1" lang="en-US" altLang="ja-JP" sz="2000" dirty="0"/>
+          </a:p>
+          <a:p>
+            <a:r>
+              <a:rPr lang="ja-JP" altLang="en-US" sz="2000" dirty="0"/>
+              <a:t>必要なこと：自分の長所がすぐわかる，野戸の人となりが分かる，</a:t>
+            </a:r>
+            <a:endParaRPr lang="en-US" altLang="ja-JP" sz="2000" dirty="0"/>
+          </a:p>
+          <a:p>
+            <a:r>
+              <a:rPr lang="en-US" altLang="ja-JP" sz="2000" dirty="0"/>
+              <a:t>		</a:t>
+            </a:r>
+            <a:r>
+              <a:rPr lang="ja-JP" altLang="en-US" sz="2000" dirty="0"/>
+              <a:t>印象に残る，分かりやすい，クドくない，誇張してない</a:t>
+            </a:r>
+            <a:endParaRPr lang="en-US" altLang="ja-JP" sz="2000" dirty="0"/>
+          </a:p>
+        </p:txBody>
+      </p:sp>
+      <p:sp>
+        <p:nvSpPr>
+          <p:cNvPr id="6" name="テキスト ボックス 5">
+            <a:extLst>
+              <a:ext uri="{FF2B5EF4-FFF2-40B4-BE49-F238E27FC236}">
+                <a16:creationId xmlns:a16="http://schemas.microsoft.com/office/drawing/2014/main" id="{48AF5CC4-EEE6-485E-8703-C7BD0C228FC3}"/>
+              </a:ext>
+            </a:extLst>
+          </p:cNvPr>
+          <p:cNvSpPr txBox="1"/>
+          <p:nvPr/>
+        </p:nvSpPr>
+        <p:spPr>
+          <a:xfrm>
+            <a:off x="231142" y="3661993"/>
+            <a:ext cx="10476615" cy="1323439"/>
+          </a:xfrm>
+          <a:prstGeom prst="rect">
+            <a:avLst/>
+          </a:prstGeom>
+          <a:noFill/>
+        </p:spPr>
+        <p:txBody>
+          <a:bodyPr wrap="square" rtlCol="0">
+            <a:spAutoFit/>
+          </a:bodyPr>
+          <a:lstStyle/>
+          <a:p>
+            <a:r>
+              <a:rPr kumimoji="1" lang="ja-JP" altLang="en-US" sz="2000" dirty="0"/>
+              <a:t>自分の長所：研究熱心，ストイック，ゲームに対する知見・分析能力，</a:t>
+            </a:r>
+            <a:endParaRPr kumimoji="1" lang="en-US" altLang="ja-JP" sz="2000" dirty="0"/>
+          </a:p>
+          <a:p>
+            <a:r>
+              <a:rPr lang="en-US" altLang="ja-JP" sz="2000" dirty="0"/>
+              <a:t>		</a:t>
+            </a:r>
+            <a:r>
+              <a:rPr lang="ja-JP" altLang="en-US" sz="2000" dirty="0"/>
+              <a:t>いまやっている研究，読んでいる本</a:t>
+            </a:r>
+            <a:r>
+              <a:rPr lang="en-US" altLang="ja-JP" sz="2000" dirty="0"/>
+              <a:t>(</a:t>
+            </a:r>
+            <a:r>
+              <a:rPr lang="ja-JP" altLang="en-US" sz="2000" dirty="0"/>
+              <a:t>孫子の兵法とか</a:t>
+            </a:r>
+            <a:r>
+              <a:rPr lang="en-US" altLang="ja-JP" sz="2000" dirty="0"/>
+              <a:t>)</a:t>
+            </a:r>
+          </a:p>
+          <a:p>
+            <a:endParaRPr lang="en-US" altLang="ja-JP" sz="2000" dirty="0"/>
+          </a:p>
+          <a:p>
+            <a:r>
+              <a:rPr lang="ja-JP" altLang="en-US" sz="2000" dirty="0"/>
+              <a:t>自分の短所：口下手，視野が狭くなりがち，非社交的，人に対する好き嫌いの激しさ</a:t>
+            </a:r>
+            <a:endParaRPr lang="en-US" altLang="ja-JP" sz="2000" dirty="0"/>
+          </a:p>
+        </p:txBody>
+      </p:sp>
+    </p:spTree>
+    <p:extLst>
+      <p:ext uri="{BB962C8B-B14F-4D97-AF65-F5344CB8AC3E}">
+        <p14:creationId xmlns:p14="http://schemas.microsoft.com/office/powerpoint/2010/main" val="2690248395"/>
+      </p:ext>
+    </p:extLst>
+  </p:cSld>
+  <p:clrMapOvr>
+    <a:masterClrMapping/>
+  </p:clrMapOvr>
+</p:sld>
+</file>
+
+<file path=ppt/slides/slide5.xml><?xml version="1.0" encoding="utf-8"?>
+<p:sld xmlns:a="http://schemas.openxmlformats.org/drawingml/2006/main" xmlns:r="http://schemas.openxmlformats.org/officeDocument/2006/relationships" xmlns:p="http://schemas.openxmlformats.org/presentationml/2006/main">
+  <p:cSld>
+    <p:spTree>
+      <p:nvGrpSpPr>
+        <p:cNvPr id="1" name=""/>
+        <p:cNvGrpSpPr/>
+        <p:nvPr/>
+      </p:nvGrpSpPr>
+      <p:grpSpPr>
+        <a:xfrm>
+          <a:off x="0" y="0"/>
+          <a:ext cx="0" cy="0"/>
+          <a:chOff x="0" y="0"/>
+          <a:chExt cx="0" cy="0"/>
+        </a:xfrm>
+      </p:grpSpPr>
+      <p:sp>
+        <p:nvSpPr>
+          <p:cNvPr id="2" name="テキスト ボックス 1">
+            <a:extLst>
+              <a:ext uri="{FF2B5EF4-FFF2-40B4-BE49-F238E27FC236}">
+                <a16:creationId xmlns:a16="http://schemas.microsoft.com/office/drawing/2014/main" id="{D66E61A2-BB78-43B1-A744-ABB7E3D6EC4C}"/>
+              </a:ext>
+            </a:extLst>
+          </p:cNvPr>
+          <p:cNvSpPr txBox="1"/>
+          <p:nvPr/>
+        </p:nvSpPr>
+        <p:spPr>
+          <a:xfrm>
+            <a:off x="754602" y="386407"/>
+            <a:ext cx="7901126" cy="707886"/>
+          </a:xfrm>
+          <a:prstGeom prst="rect">
+            <a:avLst/>
+          </a:prstGeom>
+          <a:noFill/>
+        </p:spPr>
+        <p:txBody>
+          <a:bodyPr wrap="square" rtlCol="0">
+            <a:spAutoFit/>
+          </a:bodyPr>
+          <a:lstStyle/>
+          <a:p>
+            <a:r>
+              <a:rPr kumimoji="1" lang="ja-JP" altLang="en-US" sz="4000" dirty="0"/>
+              <a:t>タイトル</a:t>
+            </a:r>
+            <a:r>
+              <a:rPr lang="en-US" altLang="ja-JP" sz="2000" dirty="0"/>
+              <a:t>(</a:t>
+            </a:r>
+            <a:r>
+              <a:rPr lang="ja-JP" altLang="en-US" sz="2000" dirty="0"/>
+              <a:t>○○秒でわかる！野戸彰大！</a:t>
+            </a:r>
+            <a:r>
+              <a:rPr lang="en-US" altLang="ja-JP" sz="2000" dirty="0"/>
+              <a:t>)</a:t>
+            </a:r>
+            <a:endParaRPr kumimoji="1" lang="ja-JP" altLang="en-US" sz="2000" dirty="0"/>
+          </a:p>
+        </p:txBody>
+      </p:sp>
+      <p:sp>
+        <p:nvSpPr>
+          <p:cNvPr id="3" name="テキスト ボックス 2">
+            <a:extLst>
+              <a:ext uri="{FF2B5EF4-FFF2-40B4-BE49-F238E27FC236}">
+                <a16:creationId xmlns:a16="http://schemas.microsoft.com/office/drawing/2014/main" id="{06134B4F-5AD1-4D12-A05B-092C31725571}"/>
+              </a:ext>
+            </a:extLst>
+          </p:cNvPr>
+          <p:cNvSpPr txBox="1"/>
+          <p:nvPr/>
+        </p:nvSpPr>
+        <p:spPr>
+          <a:xfrm>
+            <a:off x="746227" y="4527346"/>
+            <a:ext cx="877163" cy="369332"/>
+          </a:xfrm>
+          <a:prstGeom prst="rect">
+            <a:avLst/>
+          </a:prstGeom>
+          <a:noFill/>
+        </p:spPr>
+        <p:txBody>
+          <a:bodyPr wrap="none" rtlCol="0">
+            <a:spAutoFit/>
+          </a:bodyPr>
+          <a:lstStyle/>
+          <a:p>
+            <a:r>
+              <a:rPr kumimoji="1" lang="ja-JP" altLang="en-US" dirty="0"/>
+              <a:t>作品集</a:t>
+            </a:r>
+            <a:endParaRPr kumimoji="1" lang="en-US" altLang="ja-JP" dirty="0"/>
+          </a:p>
+        </p:txBody>
+      </p:sp>
+      <p:sp>
+        <p:nvSpPr>
+          <p:cNvPr id="4" name="テキスト ボックス 3">
+            <a:extLst>
+              <a:ext uri="{FF2B5EF4-FFF2-40B4-BE49-F238E27FC236}">
+                <a16:creationId xmlns:a16="http://schemas.microsoft.com/office/drawing/2014/main" id="{0C7E70E6-005E-4412-9596-52F0094E0A45}"/>
+              </a:ext>
+            </a:extLst>
+          </p:cNvPr>
+          <p:cNvSpPr txBox="1"/>
+          <p:nvPr/>
+        </p:nvSpPr>
+        <p:spPr>
+          <a:xfrm>
+            <a:off x="562443" y="1463625"/>
+            <a:ext cx="8634565" cy="400110"/>
+          </a:xfrm>
+          <a:prstGeom prst="rect">
+            <a:avLst/>
+          </a:prstGeom>
+          <a:noFill/>
+        </p:spPr>
+        <p:txBody>
+          <a:bodyPr wrap="square" rtlCol="0">
+            <a:spAutoFit/>
+          </a:bodyPr>
+          <a:lstStyle/>
+          <a:p>
+            <a:r>
+              <a:rPr lang="ja-JP" altLang="en-US" sz="2000" dirty="0"/>
+              <a:t>デザイン：和歌山大学大学院，</a:t>
+            </a:r>
+            <a:r>
+              <a:rPr lang="en-US" altLang="ja-JP" sz="2000" dirty="0"/>
+              <a:t>MD</a:t>
+            </a:r>
+            <a:r>
+              <a:rPr lang="ja-JP" altLang="en-US" sz="2000" dirty="0"/>
+              <a:t>，視覚メディア研のカラーが基調</a:t>
+            </a:r>
+            <a:endParaRPr kumimoji="1" lang="ja-JP" altLang="en-US" sz="2000" dirty="0"/>
+          </a:p>
+        </p:txBody>
+      </p:sp>
+      <p:sp>
+        <p:nvSpPr>
+          <p:cNvPr id="5" name="テキスト ボックス 4">
+            <a:extLst>
+              <a:ext uri="{FF2B5EF4-FFF2-40B4-BE49-F238E27FC236}">
+                <a16:creationId xmlns:a16="http://schemas.microsoft.com/office/drawing/2014/main" id="{6DBF02DF-C091-4519-88D1-B2630C9743D7}"/>
+              </a:ext>
+            </a:extLst>
+          </p:cNvPr>
+          <p:cNvSpPr txBox="1"/>
+          <p:nvPr/>
+        </p:nvSpPr>
+        <p:spPr>
+          <a:xfrm>
+            <a:off x="4113476" y="2930212"/>
+            <a:ext cx="1569660" cy="1200329"/>
+          </a:xfrm>
+          <a:prstGeom prst="rect">
+            <a:avLst/>
+          </a:prstGeom>
+          <a:noFill/>
+        </p:spPr>
+        <p:txBody>
+          <a:bodyPr wrap="none" rtlCol="0">
+            <a:spAutoFit/>
+          </a:bodyPr>
+          <a:lstStyle/>
+          <a:p>
+            <a:r>
+              <a:rPr kumimoji="1" lang="ja-JP" altLang="en-US" dirty="0"/>
+              <a:t>プロフィール</a:t>
+            </a:r>
+            <a:endParaRPr kumimoji="1" lang="en-US" altLang="ja-JP" dirty="0"/>
+          </a:p>
+          <a:p>
+            <a:r>
+              <a:rPr lang="ja-JP" altLang="en-US" dirty="0"/>
+              <a:t>　　生年月日</a:t>
+            </a:r>
+            <a:endParaRPr lang="en-US" altLang="ja-JP" dirty="0"/>
+          </a:p>
+          <a:p>
+            <a:r>
+              <a:rPr lang="ja-JP" altLang="en-US" dirty="0"/>
+              <a:t>　　学歴</a:t>
+            </a:r>
+            <a:endParaRPr lang="en-US" altLang="ja-JP" dirty="0"/>
+          </a:p>
+          <a:p>
+            <a:r>
+              <a:rPr lang="ja-JP" altLang="en-US" dirty="0"/>
+              <a:t>　　性別</a:t>
+            </a:r>
+            <a:endParaRPr lang="en-US" altLang="ja-JP" dirty="0"/>
+          </a:p>
+        </p:txBody>
+      </p:sp>
+      <p:sp>
+        <p:nvSpPr>
+          <p:cNvPr id="8" name="正方形/長方形 7">
+            <a:extLst>
+              <a:ext uri="{FF2B5EF4-FFF2-40B4-BE49-F238E27FC236}">
+                <a16:creationId xmlns:a16="http://schemas.microsoft.com/office/drawing/2014/main" id="{CB00D743-7DB1-2B13-712A-F8EEA8BD1480}"/>
+              </a:ext>
+            </a:extLst>
+          </p:cNvPr>
+          <p:cNvSpPr/>
+          <p:nvPr/>
+        </p:nvSpPr>
+        <p:spPr>
+          <a:xfrm>
+            <a:off x="754602" y="2809460"/>
+            <a:ext cx="2796981" cy="1530626"/>
+          </a:xfrm>
+          <a:prstGeom prst="rect">
+            <a:avLst/>
+          </a:prstGeom>
+          <a:solidFill>
+            <a:schemeClr val="bg2">
+              <a:lumMod val="90000"/>
+            </a:schemeClr>
+          </a:solidFill>
+          <a:ln>
+            <a:solidFill>
+              <a:schemeClr val="tx1"/>
+            </a:solidFill>
+          </a:ln>
+        </p:spPr>
+        <p:style>
+          <a:lnRef idx="2">
+            <a:schemeClr val="accent1">
+              <a:shade val="50000"/>
+            </a:schemeClr>
+          </a:lnRef>
+          <a:fillRef idx="1">
+            <a:schemeClr val="accent1"/>
+          </a:fillRef>
+          <a:effectRef idx="0">
+            <a:schemeClr val="accent1"/>
+          </a:effectRef>
+          <a:fontRef idx="minor">
+            <a:schemeClr val="lt1"/>
+          </a:fontRef>
+        </p:style>
+        <p:txBody>
+          <a:bodyPr rtlCol="0" anchor="ctr"/>
+          <a:lstStyle/>
+          <a:p>
+            <a:pPr algn="ctr"/>
+            <a:r>
+              <a:rPr kumimoji="1" lang="ja-JP" altLang="en-US" dirty="0">
+                <a:solidFill>
+                  <a:schemeClr val="tx1"/>
+                </a:solidFill>
+              </a:rPr>
+              <a:t>動画</a:t>
+            </a:r>
+          </a:p>
+        </p:txBody>
+      </p:sp>
+      <p:sp>
+        <p:nvSpPr>
+          <p:cNvPr id="9" name="テキスト ボックス 8">
+            <a:extLst>
+              <a:ext uri="{FF2B5EF4-FFF2-40B4-BE49-F238E27FC236}">
+                <a16:creationId xmlns:a16="http://schemas.microsoft.com/office/drawing/2014/main" id="{21796A40-6E53-AF24-9E5E-E9E8093462A8}"/>
+              </a:ext>
+            </a:extLst>
+          </p:cNvPr>
+          <p:cNvSpPr txBox="1"/>
+          <p:nvPr/>
+        </p:nvSpPr>
+        <p:spPr>
+          <a:xfrm>
+            <a:off x="682487" y="2279234"/>
+            <a:ext cx="4878259" cy="369332"/>
+          </a:xfrm>
+          <a:prstGeom prst="rect">
+            <a:avLst/>
+          </a:prstGeom>
+          <a:noFill/>
+        </p:spPr>
+        <p:txBody>
+          <a:bodyPr wrap="none" rtlCol="0">
+            <a:spAutoFit/>
+          </a:bodyPr>
+          <a:lstStyle/>
+          <a:p>
+            <a:r>
+              <a:rPr kumimoji="1" lang="ja-JP" altLang="en-US" dirty="0"/>
+              <a:t>○○秒でわかる動画</a:t>
+            </a:r>
+            <a:r>
+              <a:rPr kumimoji="1" lang="en-US" altLang="ja-JP" dirty="0"/>
+              <a:t>(</a:t>
+            </a:r>
+            <a:r>
+              <a:rPr kumimoji="1" lang="ja-JP" altLang="en-US" dirty="0"/>
+              <a:t>これだけで</a:t>
+            </a:r>
+            <a:r>
+              <a:rPr kumimoji="1" lang="en-US" altLang="ja-JP" dirty="0"/>
+              <a:t>8</a:t>
+            </a:r>
+            <a:r>
+              <a:rPr kumimoji="1" lang="ja-JP" altLang="en-US" dirty="0"/>
+              <a:t>割は分かる</a:t>
+            </a:r>
+            <a:r>
+              <a:rPr kumimoji="1" lang="en-US" altLang="ja-JP" dirty="0"/>
+              <a:t>)</a:t>
+            </a:r>
+            <a:endParaRPr kumimoji="1" lang="ja-JP" altLang="en-US" dirty="0"/>
+          </a:p>
+        </p:txBody>
+      </p:sp>
+      <p:sp>
+        <p:nvSpPr>
+          <p:cNvPr id="10" name="正方形/長方形 9">
+            <a:extLst>
+              <a:ext uri="{FF2B5EF4-FFF2-40B4-BE49-F238E27FC236}">
+                <a16:creationId xmlns:a16="http://schemas.microsoft.com/office/drawing/2014/main" id="{8997D25E-8127-F5AF-DB35-72BA4E1CF007}"/>
+              </a:ext>
+            </a:extLst>
+          </p:cNvPr>
+          <p:cNvSpPr/>
+          <p:nvPr/>
+        </p:nvSpPr>
+        <p:spPr>
+          <a:xfrm>
+            <a:off x="746227" y="4994266"/>
+            <a:ext cx="1983721" cy="1731212"/>
+          </a:xfrm>
+          <a:prstGeom prst="rect">
+            <a:avLst/>
+          </a:prstGeom>
+          <a:solidFill>
+            <a:schemeClr val="bg2">
+              <a:lumMod val="90000"/>
+            </a:schemeClr>
+          </a:solidFill>
+          <a:ln>
+            <a:solidFill>
+              <a:schemeClr val="tx1"/>
+            </a:solidFill>
+          </a:ln>
+        </p:spPr>
+        <p:style>
+          <a:lnRef idx="2">
+            <a:schemeClr val="accent1">
+              <a:shade val="50000"/>
+            </a:schemeClr>
+          </a:lnRef>
+          <a:fillRef idx="1">
+            <a:schemeClr val="accent1"/>
+          </a:fillRef>
+          <a:effectRef idx="0">
+            <a:schemeClr val="accent1"/>
+          </a:effectRef>
+          <a:fontRef idx="minor">
+            <a:schemeClr val="lt1"/>
+          </a:fontRef>
+        </p:style>
+        <p:txBody>
+          <a:bodyPr rtlCol="0" anchor="ctr"/>
+          <a:lstStyle/>
+          <a:p>
+            <a:pPr algn="ctr"/>
+            <a:endParaRPr kumimoji="1" lang="ja-JP" altLang="en-US"/>
+          </a:p>
+        </p:txBody>
+      </p:sp>
+      <p:sp>
+        <p:nvSpPr>
+          <p:cNvPr id="11" name="正方形/長方形 10">
+            <a:extLst>
+              <a:ext uri="{FF2B5EF4-FFF2-40B4-BE49-F238E27FC236}">
+                <a16:creationId xmlns:a16="http://schemas.microsoft.com/office/drawing/2014/main" id="{48FC5749-6838-7FB6-BF01-27C22EEA11FA}"/>
+              </a:ext>
+            </a:extLst>
+          </p:cNvPr>
+          <p:cNvSpPr/>
+          <p:nvPr/>
+        </p:nvSpPr>
+        <p:spPr>
+          <a:xfrm>
+            <a:off x="3121616" y="4994266"/>
+            <a:ext cx="1983721" cy="1731212"/>
+          </a:xfrm>
+          <a:prstGeom prst="rect">
+            <a:avLst/>
+          </a:prstGeom>
+          <a:solidFill>
+            <a:schemeClr val="bg2">
+              <a:lumMod val="90000"/>
+            </a:schemeClr>
+          </a:solidFill>
+          <a:ln>
+            <a:solidFill>
+              <a:schemeClr val="tx1"/>
+            </a:solidFill>
+          </a:ln>
+        </p:spPr>
+        <p:style>
+          <a:lnRef idx="2">
+            <a:schemeClr val="accent1">
+              <a:shade val="50000"/>
+            </a:schemeClr>
+          </a:lnRef>
+          <a:fillRef idx="1">
+            <a:schemeClr val="accent1"/>
+          </a:fillRef>
+          <a:effectRef idx="0">
+            <a:schemeClr val="accent1"/>
+          </a:effectRef>
+          <a:fontRef idx="minor">
+            <a:schemeClr val="lt1"/>
+          </a:fontRef>
+        </p:style>
+        <p:txBody>
+          <a:bodyPr rtlCol="0" anchor="ctr"/>
+          <a:lstStyle/>
+          <a:p>
+            <a:pPr algn="ctr"/>
+            <a:endParaRPr kumimoji="1" lang="ja-JP" altLang="en-US"/>
+          </a:p>
+        </p:txBody>
+      </p:sp>
+      <p:sp>
+        <p:nvSpPr>
+          <p:cNvPr id="12" name="正方形/長方形 11">
+            <a:extLst>
+              <a:ext uri="{FF2B5EF4-FFF2-40B4-BE49-F238E27FC236}">
+                <a16:creationId xmlns:a16="http://schemas.microsoft.com/office/drawing/2014/main" id="{786CBF37-7FF7-9773-74CF-1EBC9C3F6B8F}"/>
+              </a:ext>
+            </a:extLst>
+          </p:cNvPr>
+          <p:cNvSpPr/>
+          <p:nvPr/>
+        </p:nvSpPr>
+        <p:spPr>
+          <a:xfrm>
+            <a:off x="5497005" y="4994266"/>
+            <a:ext cx="1983721" cy="1731212"/>
+          </a:xfrm>
+          <a:prstGeom prst="rect">
+            <a:avLst/>
+          </a:prstGeom>
+          <a:solidFill>
+            <a:schemeClr val="bg2">
+              <a:lumMod val="90000"/>
+            </a:schemeClr>
+          </a:solidFill>
+          <a:ln>
+            <a:solidFill>
+              <a:schemeClr val="tx1"/>
+            </a:solidFill>
+          </a:ln>
+        </p:spPr>
+        <p:style>
+          <a:lnRef idx="2">
+            <a:schemeClr val="accent1">
+              <a:shade val="50000"/>
+            </a:schemeClr>
+          </a:lnRef>
+          <a:fillRef idx="1">
+            <a:schemeClr val="accent1"/>
+          </a:fillRef>
+          <a:effectRef idx="0">
+            <a:schemeClr val="accent1"/>
+          </a:effectRef>
+          <a:fontRef idx="minor">
+            <a:schemeClr val="lt1"/>
+          </a:fontRef>
+        </p:style>
+        <p:txBody>
+          <a:bodyPr rtlCol="0" anchor="ctr"/>
+          <a:lstStyle/>
+          <a:p>
+            <a:pPr algn="ctr"/>
+            <a:endParaRPr kumimoji="1" lang="ja-JP" altLang="en-US"/>
+          </a:p>
+        </p:txBody>
+      </p:sp>
+      <p:sp>
+        <p:nvSpPr>
+          <p:cNvPr id="13" name="正方形/長方形 12">
+            <a:extLst>
+              <a:ext uri="{FF2B5EF4-FFF2-40B4-BE49-F238E27FC236}">
+                <a16:creationId xmlns:a16="http://schemas.microsoft.com/office/drawing/2014/main" id="{66F88608-A702-6844-DEF9-C0EFE9C4A621}"/>
+              </a:ext>
+            </a:extLst>
+          </p:cNvPr>
+          <p:cNvSpPr/>
+          <p:nvPr/>
+        </p:nvSpPr>
+        <p:spPr>
+          <a:xfrm>
+            <a:off x="7872394" y="4994266"/>
+            <a:ext cx="1983721" cy="1731212"/>
+          </a:xfrm>
+          <a:prstGeom prst="rect">
+            <a:avLst/>
+          </a:prstGeom>
+          <a:solidFill>
+            <a:schemeClr val="bg2">
+              <a:lumMod val="90000"/>
+            </a:schemeClr>
+          </a:solidFill>
+          <a:ln>
+            <a:solidFill>
+              <a:schemeClr val="tx1"/>
+            </a:solidFill>
+          </a:ln>
+        </p:spPr>
+        <p:style>
+          <a:lnRef idx="2">
+            <a:schemeClr val="accent1">
+              <a:shade val="50000"/>
+            </a:schemeClr>
+          </a:lnRef>
+          <a:fillRef idx="1">
+            <a:schemeClr val="accent1"/>
+          </a:fillRef>
+          <a:effectRef idx="0">
+            <a:schemeClr val="accent1"/>
+          </a:effectRef>
+          <a:fontRef idx="minor">
+            <a:schemeClr val="lt1"/>
+          </a:fontRef>
+        </p:style>
+        <p:txBody>
+          <a:bodyPr rtlCol="0" anchor="ctr"/>
+          <a:lstStyle/>
+          <a:p>
+            <a:pPr algn="ctr"/>
+            <a:endParaRPr kumimoji="1" lang="ja-JP" altLang="en-US"/>
+          </a:p>
+        </p:txBody>
+      </p:sp>
+      <p:sp>
+        <p:nvSpPr>
+          <p:cNvPr id="14" name="正方形/長方形 13">
+            <a:extLst>
+              <a:ext uri="{FF2B5EF4-FFF2-40B4-BE49-F238E27FC236}">
+                <a16:creationId xmlns:a16="http://schemas.microsoft.com/office/drawing/2014/main" id="{9CD327EC-CCAF-D0AB-3C12-F31487230D08}"/>
+              </a:ext>
+            </a:extLst>
+          </p:cNvPr>
+          <p:cNvSpPr/>
+          <p:nvPr/>
+        </p:nvSpPr>
+        <p:spPr>
+          <a:xfrm>
+            <a:off x="8115015" y="5181600"/>
+            <a:ext cx="1498477" cy="796858"/>
+          </a:xfrm>
+          <a:prstGeom prst="rect">
+            <a:avLst/>
+          </a:prstGeom>
+        </p:spPr>
+        <p:style>
+          <a:lnRef idx="2">
+            <a:schemeClr val="accent1">
+              <a:shade val="50000"/>
+            </a:schemeClr>
+          </a:lnRef>
+          <a:fillRef idx="1">
+            <a:schemeClr val="accent1"/>
+          </a:fillRef>
+          <a:effectRef idx="0">
+            <a:schemeClr val="accent1"/>
+          </a:effectRef>
+          <a:fontRef idx="minor">
+            <a:schemeClr val="lt1"/>
+          </a:fontRef>
+        </p:style>
+        <p:txBody>
+          <a:bodyPr rtlCol="0" anchor="ctr"/>
+          <a:lstStyle/>
+          <a:p>
+            <a:pPr algn="ctr"/>
+            <a:r>
+              <a:rPr kumimoji="1" lang="ja-JP" altLang="en-US" dirty="0"/>
+              <a:t>ゲーム画面</a:t>
+            </a:r>
+            <a:r>
+              <a:rPr lang="en-US" altLang="ja-JP" dirty="0"/>
+              <a:t>/</a:t>
+            </a:r>
+            <a:r>
+              <a:rPr lang="ja-JP" altLang="en-US" dirty="0"/>
+              <a:t>企画書</a:t>
+            </a:r>
+            <a:endParaRPr kumimoji="1" lang="ja-JP" altLang="en-US" dirty="0"/>
+          </a:p>
+        </p:txBody>
+      </p:sp>
+      <p:sp>
+        <p:nvSpPr>
+          <p:cNvPr id="15" name="正方形/長方形 14">
+            <a:extLst>
+              <a:ext uri="{FF2B5EF4-FFF2-40B4-BE49-F238E27FC236}">
+                <a16:creationId xmlns:a16="http://schemas.microsoft.com/office/drawing/2014/main" id="{1CFE8E8F-B5A6-2464-A3AC-27475FEFB7BD}"/>
+              </a:ext>
+            </a:extLst>
+          </p:cNvPr>
+          <p:cNvSpPr/>
+          <p:nvPr/>
+        </p:nvSpPr>
+        <p:spPr>
+          <a:xfrm>
+            <a:off x="5745989" y="5181599"/>
+            <a:ext cx="1498477" cy="796859"/>
+          </a:xfrm>
+          <a:prstGeom prst="rect">
+            <a:avLst/>
+          </a:prstGeom>
+        </p:spPr>
+        <p:style>
+          <a:lnRef idx="2">
+            <a:schemeClr val="accent1">
+              <a:shade val="50000"/>
+            </a:schemeClr>
+          </a:lnRef>
+          <a:fillRef idx="1">
+            <a:schemeClr val="accent1"/>
+          </a:fillRef>
+          <a:effectRef idx="0">
+            <a:schemeClr val="accent1"/>
+          </a:effectRef>
+          <a:fontRef idx="minor">
+            <a:schemeClr val="lt1"/>
+          </a:fontRef>
+        </p:style>
+        <p:txBody>
+          <a:bodyPr rtlCol="0" anchor="ctr"/>
+          <a:lstStyle/>
+          <a:p>
+            <a:pPr algn="ctr"/>
+            <a:r>
+              <a:rPr kumimoji="1" lang="ja-JP" altLang="en-US" dirty="0"/>
+              <a:t>ゲーム画面</a:t>
+            </a:r>
+            <a:r>
+              <a:rPr lang="en-US" altLang="ja-JP" dirty="0"/>
+              <a:t>/</a:t>
+            </a:r>
+            <a:r>
+              <a:rPr lang="ja-JP" altLang="en-US" dirty="0"/>
+              <a:t>企画書</a:t>
+            </a:r>
+            <a:endParaRPr kumimoji="1" lang="ja-JP" altLang="en-US" dirty="0"/>
+          </a:p>
+        </p:txBody>
+      </p:sp>
+      <p:sp>
+        <p:nvSpPr>
+          <p:cNvPr id="16" name="正方形/長方形 15">
+            <a:extLst>
+              <a:ext uri="{FF2B5EF4-FFF2-40B4-BE49-F238E27FC236}">
+                <a16:creationId xmlns:a16="http://schemas.microsoft.com/office/drawing/2014/main" id="{6321D810-B2DB-7822-6BE0-308CAD3B8AF2}"/>
+              </a:ext>
+            </a:extLst>
+          </p:cNvPr>
+          <p:cNvSpPr/>
+          <p:nvPr/>
+        </p:nvSpPr>
+        <p:spPr>
+          <a:xfrm>
+            <a:off x="3381248" y="5181599"/>
+            <a:ext cx="1498477" cy="796859"/>
+          </a:xfrm>
+          <a:prstGeom prst="rect">
+            <a:avLst/>
+          </a:prstGeom>
+        </p:spPr>
+        <p:style>
+          <a:lnRef idx="2">
+            <a:schemeClr val="accent1">
+              <a:shade val="50000"/>
+            </a:schemeClr>
+          </a:lnRef>
+          <a:fillRef idx="1">
+            <a:schemeClr val="accent1"/>
+          </a:fillRef>
+          <a:effectRef idx="0">
+            <a:schemeClr val="accent1"/>
+          </a:effectRef>
+          <a:fontRef idx="minor">
+            <a:schemeClr val="lt1"/>
+          </a:fontRef>
+        </p:style>
+        <p:txBody>
+          <a:bodyPr rtlCol="0" anchor="ctr"/>
+          <a:lstStyle/>
+          <a:p>
+            <a:pPr algn="ctr"/>
+            <a:r>
+              <a:rPr kumimoji="1" lang="ja-JP" altLang="en-US" dirty="0"/>
+              <a:t>ゲーム画面</a:t>
+            </a:r>
+            <a:endParaRPr kumimoji="1" lang="en-US" altLang="ja-JP" dirty="0"/>
+          </a:p>
+          <a:p>
+            <a:pPr algn="ctr"/>
+            <a:r>
+              <a:rPr lang="en-US" altLang="ja-JP" dirty="0"/>
+              <a:t>/</a:t>
+            </a:r>
+            <a:r>
+              <a:rPr lang="ja-JP" altLang="en-US" dirty="0"/>
+              <a:t>企画書</a:t>
+            </a:r>
+            <a:endParaRPr kumimoji="1" lang="ja-JP" altLang="en-US" dirty="0"/>
+          </a:p>
+        </p:txBody>
+      </p:sp>
+      <p:sp>
+        <p:nvSpPr>
+          <p:cNvPr id="17" name="正方形/長方形 16">
+            <a:extLst>
+              <a:ext uri="{FF2B5EF4-FFF2-40B4-BE49-F238E27FC236}">
+                <a16:creationId xmlns:a16="http://schemas.microsoft.com/office/drawing/2014/main" id="{870D3A8B-EC24-2397-5D96-0419FA1270B8}"/>
+              </a:ext>
+            </a:extLst>
+          </p:cNvPr>
+          <p:cNvSpPr/>
+          <p:nvPr/>
+        </p:nvSpPr>
+        <p:spPr>
+          <a:xfrm>
+            <a:off x="988848" y="5181599"/>
+            <a:ext cx="1498477" cy="796859"/>
+          </a:xfrm>
+          <a:prstGeom prst="rect">
+            <a:avLst/>
+          </a:prstGeom>
+        </p:spPr>
+        <p:style>
+          <a:lnRef idx="2">
+            <a:schemeClr val="accent1">
+              <a:shade val="50000"/>
+            </a:schemeClr>
+          </a:lnRef>
+          <a:fillRef idx="1">
+            <a:schemeClr val="accent1"/>
+          </a:fillRef>
+          <a:effectRef idx="0">
+            <a:schemeClr val="accent1"/>
+          </a:effectRef>
+          <a:fontRef idx="minor">
+            <a:schemeClr val="lt1"/>
+          </a:fontRef>
+        </p:style>
+        <p:txBody>
+          <a:bodyPr rtlCol="0" anchor="ctr"/>
+          <a:lstStyle/>
+          <a:p>
+            <a:pPr algn="ctr"/>
+            <a:r>
+              <a:rPr kumimoji="1" lang="ja-JP" altLang="en-US" dirty="0"/>
+              <a:t>ゲーム画面</a:t>
+            </a:r>
+            <a:endParaRPr kumimoji="1" lang="en-US" altLang="ja-JP" dirty="0"/>
+          </a:p>
+          <a:p>
+            <a:pPr algn="ctr"/>
+            <a:r>
+              <a:rPr lang="en-US" altLang="ja-JP" dirty="0"/>
+              <a:t>/</a:t>
+            </a:r>
+            <a:r>
+              <a:rPr lang="ja-JP" altLang="en-US" dirty="0"/>
+              <a:t>企画書</a:t>
+            </a:r>
+            <a:endParaRPr kumimoji="1" lang="ja-JP" altLang="en-US" dirty="0"/>
+          </a:p>
+        </p:txBody>
+      </p:sp>
+      <p:sp>
+        <p:nvSpPr>
+          <p:cNvPr id="18" name="テキスト ボックス 17">
+            <a:extLst>
+              <a:ext uri="{FF2B5EF4-FFF2-40B4-BE49-F238E27FC236}">
+                <a16:creationId xmlns:a16="http://schemas.microsoft.com/office/drawing/2014/main" id="{348A570A-48E4-8CE0-8EAA-7D26241230F4}"/>
+              </a:ext>
+            </a:extLst>
+          </p:cNvPr>
+          <p:cNvSpPr txBox="1"/>
+          <p:nvPr/>
+        </p:nvSpPr>
+        <p:spPr>
+          <a:xfrm>
+            <a:off x="435486" y="6076046"/>
+            <a:ext cx="2605200" cy="369332"/>
+          </a:xfrm>
+          <a:prstGeom prst="rect">
+            <a:avLst/>
+          </a:prstGeom>
+          <a:noFill/>
+        </p:spPr>
+        <p:txBody>
+          <a:bodyPr wrap="none" rtlCol="0">
+            <a:spAutoFit/>
+          </a:bodyPr>
+          <a:lstStyle/>
+          <a:p>
+            <a:r>
+              <a:rPr kumimoji="1" lang="ja-JP" altLang="en-US" dirty="0"/>
+              <a:t>フィードバック</a:t>
+            </a:r>
+            <a:r>
+              <a:rPr kumimoji="1" lang="en-US" altLang="ja-JP" dirty="0"/>
+              <a:t>/</a:t>
+            </a:r>
+            <a:r>
+              <a:rPr kumimoji="1" lang="ja-JP" altLang="en-US" dirty="0"/>
+              <a:t>反省点</a:t>
+            </a:r>
+          </a:p>
+        </p:txBody>
+      </p:sp>
+      <p:sp>
+        <p:nvSpPr>
+          <p:cNvPr id="19" name="テキスト ボックス 18">
+            <a:extLst>
+              <a:ext uri="{FF2B5EF4-FFF2-40B4-BE49-F238E27FC236}">
+                <a16:creationId xmlns:a16="http://schemas.microsoft.com/office/drawing/2014/main" id="{183CD108-8C96-D750-BE17-06A48A7785E4}"/>
+              </a:ext>
+            </a:extLst>
+          </p:cNvPr>
+          <p:cNvSpPr txBox="1"/>
+          <p:nvPr/>
+        </p:nvSpPr>
+        <p:spPr>
+          <a:xfrm>
+            <a:off x="2810876" y="6073672"/>
+            <a:ext cx="2605200" cy="369332"/>
+          </a:xfrm>
+          <a:prstGeom prst="rect">
+            <a:avLst/>
+          </a:prstGeom>
+          <a:noFill/>
+        </p:spPr>
+        <p:txBody>
+          <a:bodyPr wrap="none" rtlCol="0">
+            <a:spAutoFit/>
+          </a:bodyPr>
+          <a:lstStyle/>
+          <a:p>
+            <a:r>
+              <a:rPr kumimoji="1" lang="ja-JP" altLang="en-US" dirty="0"/>
+              <a:t>フィードバック</a:t>
+            </a:r>
+            <a:r>
+              <a:rPr kumimoji="1" lang="en-US" altLang="ja-JP" dirty="0"/>
+              <a:t>/</a:t>
+            </a:r>
+            <a:r>
+              <a:rPr kumimoji="1" lang="ja-JP" altLang="en-US" dirty="0"/>
+              <a:t>反省点</a:t>
+            </a:r>
+          </a:p>
+        </p:txBody>
+      </p:sp>
+      <p:sp>
+        <p:nvSpPr>
+          <p:cNvPr id="20" name="テキスト ボックス 19">
+            <a:extLst>
+              <a:ext uri="{FF2B5EF4-FFF2-40B4-BE49-F238E27FC236}">
+                <a16:creationId xmlns:a16="http://schemas.microsoft.com/office/drawing/2014/main" id="{D9A5200B-DD95-0462-89C0-49F40E8AA80B}"/>
+              </a:ext>
+            </a:extLst>
+          </p:cNvPr>
+          <p:cNvSpPr txBox="1"/>
+          <p:nvPr/>
+        </p:nvSpPr>
+        <p:spPr>
+          <a:xfrm>
+            <a:off x="5216908" y="6060743"/>
+            <a:ext cx="2605200" cy="369332"/>
+          </a:xfrm>
+          <a:prstGeom prst="rect">
+            <a:avLst/>
+          </a:prstGeom>
+          <a:noFill/>
+        </p:spPr>
+        <p:txBody>
+          <a:bodyPr wrap="none" rtlCol="0">
+            <a:spAutoFit/>
+          </a:bodyPr>
+          <a:lstStyle/>
+          <a:p>
+            <a:r>
+              <a:rPr kumimoji="1" lang="ja-JP" altLang="en-US" dirty="0"/>
+              <a:t>フィードバック</a:t>
+            </a:r>
+            <a:r>
+              <a:rPr kumimoji="1" lang="en-US" altLang="ja-JP" dirty="0"/>
+              <a:t>/</a:t>
+            </a:r>
+            <a:r>
+              <a:rPr kumimoji="1" lang="ja-JP" altLang="en-US" dirty="0"/>
+              <a:t>反省点</a:t>
+            </a:r>
+          </a:p>
+        </p:txBody>
+      </p:sp>
+      <p:sp>
+        <p:nvSpPr>
+          <p:cNvPr id="21" name="テキスト ボックス 20">
+            <a:extLst>
+              <a:ext uri="{FF2B5EF4-FFF2-40B4-BE49-F238E27FC236}">
+                <a16:creationId xmlns:a16="http://schemas.microsoft.com/office/drawing/2014/main" id="{6A7A03AC-7BB8-B0FF-8F75-124443323EF9}"/>
+              </a:ext>
+            </a:extLst>
+          </p:cNvPr>
+          <p:cNvSpPr txBox="1"/>
+          <p:nvPr/>
+        </p:nvSpPr>
+        <p:spPr>
+          <a:xfrm>
+            <a:off x="7658695" y="6059248"/>
+            <a:ext cx="2605200" cy="369332"/>
+          </a:xfrm>
+          <a:prstGeom prst="rect">
+            <a:avLst/>
+          </a:prstGeom>
+          <a:noFill/>
+        </p:spPr>
+        <p:txBody>
+          <a:bodyPr wrap="none" rtlCol="0">
+            <a:spAutoFit/>
+          </a:bodyPr>
+          <a:lstStyle/>
+          <a:p>
+            <a:r>
+              <a:rPr kumimoji="1" lang="ja-JP" altLang="en-US" dirty="0"/>
+              <a:t>フィードバック</a:t>
+            </a:r>
+            <a:r>
+              <a:rPr kumimoji="1" lang="en-US" altLang="ja-JP" dirty="0"/>
+              <a:t>/</a:t>
+            </a:r>
+            <a:r>
+              <a:rPr kumimoji="1" lang="ja-JP" altLang="en-US" dirty="0"/>
+              <a:t>反省点</a:t>
+            </a:r>
+          </a:p>
+        </p:txBody>
+      </p:sp>
+    </p:spTree>
+    <p:extLst>
+      <p:ext uri="{BB962C8B-B14F-4D97-AF65-F5344CB8AC3E}">
+        <p14:creationId xmlns:p14="http://schemas.microsoft.com/office/powerpoint/2010/main" val="2896100010"/>
+      </p:ext>
+    </p:extLst>
+  </p:cSld>
+  <p:clrMapOvr>
+    <a:masterClrMapping/>
+  </p:clrMapOvr>
+</p:sld>
+</file>
+
+<file path=ppt/slides/slide6.xml><?xml version="1.0" encoding="utf-8"?>
+<p:sld xmlns:a="http://schemas.openxmlformats.org/drawingml/2006/main" xmlns:r="http://schemas.openxmlformats.org/officeDocument/2006/relationships" xmlns:p="http://schemas.openxmlformats.org/presentationml/2006/main">
+  <p:cSld>
+    <p:spTree>
+      <p:nvGrpSpPr>
+        <p:cNvPr id="1" name=""/>
+        <p:cNvGrpSpPr/>
+        <p:nvPr/>
+      </p:nvGrpSpPr>
+      <p:grpSpPr>
+        <a:xfrm>
+          <a:off x="0" y="0"/>
+          <a:ext cx="0" cy="0"/>
+          <a:chOff x="0" y="0"/>
+          <a:chExt cx="0" cy="0"/>
+        </a:xfrm>
+      </p:grpSpPr>
+      <p:sp>
+        <p:nvSpPr>
+          <p:cNvPr id="2" name="タイトル 1">
+            <a:extLst>
+              <a:ext uri="{FF2B5EF4-FFF2-40B4-BE49-F238E27FC236}">
+                <a16:creationId xmlns:a16="http://schemas.microsoft.com/office/drawing/2014/main" id="{05E111B0-A970-EAFC-7FED-3D144A324B13}"/>
+              </a:ext>
+            </a:extLst>
+          </p:cNvPr>
+          <p:cNvSpPr>
+            <a:spLocks noGrp="1"/>
+          </p:cNvSpPr>
+          <p:nvPr>
+            <p:ph type="ctrTitle"/>
+          </p:nvPr>
+        </p:nvSpPr>
+        <p:spPr>
+          <a:xfrm>
+            <a:off x="371061" y="214277"/>
+            <a:ext cx="9144000" cy="772698"/>
+          </a:xfrm>
+        </p:spPr>
+        <p:txBody>
+          <a:bodyPr/>
+          <a:lstStyle/>
+          <a:p>
+            <a:pPr algn="l"/>
+            <a:r>
+              <a:rPr kumimoji="1" lang="ja-JP" altLang="en-US" sz="4000" dirty="0"/>
+              <a:t>具体的な動画内容</a:t>
+            </a:r>
+          </a:p>
+        </p:txBody>
+      </p:sp>
+      <p:sp>
+        <p:nvSpPr>
+          <p:cNvPr id="4" name="テキスト ボックス 3">
+            <a:extLst>
+              <a:ext uri="{FF2B5EF4-FFF2-40B4-BE49-F238E27FC236}">
+                <a16:creationId xmlns:a16="http://schemas.microsoft.com/office/drawing/2014/main" id="{98D90D40-5834-2E4A-8533-F334F24884C8}"/>
+              </a:ext>
+            </a:extLst>
+          </p:cNvPr>
+          <p:cNvSpPr txBox="1"/>
+          <p:nvPr/>
+        </p:nvSpPr>
+        <p:spPr>
+          <a:xfrm>
+            <a:off x="424070" y="1099930"/>
+            <a:ext cx="8494633" cy="1754326"/>
+          </a:xfrm>
+          <a:prstGeom prst="rect">
+            <a:avLst/>
+          </a:prstGeom>
+          <a:noFill/>
+        </p:spPr>
+        <p:txBody>
+          <a:bodyPr wrap="none" rtlCol="0">
+            <a:spAutoFit/>
+          </a:bodyPr>
+          <a:lstStyle/>
+          <a:p>
+            <a:r>
+              <a:rPr kumimoji="1" lang="ja-JP" altLang="en-US" dirty="0"/>
+              <a:t>動画の目的等</a:t>
+            </a:r>
+            <a:endParaRPr kumimoji="1" lang="en-US" altLang="ja-JP" dirty="0"/>
+          </a:p>
+          <a:p>
+            <a:endParaRPr lang="en-US" altLang="ja-JP" dirty="0"/>
+          </a:p>
+          <a:p>
+            <a:r>
+              <a:rPr kumimoji="1" lang="ja-JP" altLang="en-US" dirty="0"/>
+              <a:t>目的</a:t>
+            </a:r>
+            <a:r>
+              <a:rPr kumimoji="1" lang="en-US" altLang="ja-JP" dirty="0"/>
+              <a:t>		</a:t>
+            </a:r>
+            <a:r>
+              <a:rPr kumimoji="1" lang="ja-JP" altLang="en-US" dirty="0"/>
+              <a:t>：○○秒でオレを分かって「採用したい」と思ってもらう事</a:t>
+            </a:r>
+            <a:endParaRPr kumimoji="1" lang="en-US" altLang="ja-JP" dirty="0"/>
+          </a:p>
+          <a:p>
+            <a:r>
+              <a:rPr kumimoji="1" lang="ja-JP" altLang="en-US" dirty="0"/>
+              <a:t>ターゲット</a:t>
+            </a:r>
+            <a:r>
+              <a:rPr kumimoji="1" lang="en-US" altLang="ja-JP" dirty="0"/>
+              <a:t>	</a:t>
+            </a:r>
+            <a:r>
+              <a:rPr kumimoji="1" lang="ja-JP" altLang="en-US" dirty="0"/>
+              <a:t>：</a:t>
+            </a:r>
+            <a:r>
+              <a:rPr lang="ja-JP" altLang="en-US" dirty="0"/>
+              <a:t>任天堂・</a:t>
+            </a:r>
+            <a:r>
+              <a:rPr lang="en-US" altLang="ja-JP" dirty="0"/>
+              <a:t>IS</a:t>
+            </a:r>
+            <a:r>
+              <a:rPr lang="ja-JP" altLang="en-US" dirty="0"/>
+              <a:t>・スクエニ等錚々たる面々</a:t>
+            </a:r>
+            <a:endParaRPr lang="en-US" altLang="ja-JP" dirty="0"/>
+          </a:p>
+          <a:p>
+            <a:endParaRPr kumimoji="1" lang="en-US" altLang="ja-JP" dirty="0"/>
+          </a:p>
+          <a:p>
+            <a:r>
+              <a:rPr lang="ja-JP" altLang="en-US" dirty="0"/>
+              <a:t>コンセプト</a:t>
+            </a:r>
+            <a:r>
+              <a:rPr lang="en-US" altLang="ja-JP" dirty="0"/>
+              <a:t>	</a:t>
+            </a:r>
+            <a:r>
+              <a:rPr lang="ja-JP" altLang="en-US" dirty="0"/>
+              <a:t>：短い時間で野戸の人となりと良さを分かってもらう動画</a:t>
+            </a:r>
+            <a:endParaRPr kumimoji="1" lang="en-US" altLang="ja-JP" dirty="0"/>
+          </a:p>
+        </p:txBody>
+      </p:sp>
+      <p:sp>
+        <p:nvSpPr>
+          <p:cNvPr id="3" name="テキスト ボックス 2">
+            <a:extLst>
+              <a:ext uri="{FF2B5EF4-FFF2-40B4-BE49-F238E27FC236}">
+                <a16:creationId xmlns:a16="http://schemas.microsoft.com/office/drawing/2014/main" id="{56FD1C3F-7DC2-0568-A0EA-0EA38080CB5E}"/>
+              </a:ext>
+            </a:extLst>
+          </p:cNvPr>
+          <p:cNvSpPr txBox="1"/>
+          <p:nvPr/>
+        </p:nvSpPr>
+        <p:spPr>
+          <a:xfrm>
+            <a:off x="324678" y="3095971"/>
+            <a:ext cx="11380038" cy="2862322"/>
+          </a:xfrm>
+          <a:prstGeom prst="rect">
+            <a:avLst/>
+          </a:prstGeom>
+          <a:noFill/>
+        </p:spPr>
+        <p:txBody>
+          <a:bodyPr wrap="none" rtlCol="0">
+            <a:spAutoFit/>
+          </a:bodyPr>
+          <a:lstStyle/>
+          <a:p>
+            <a:r>
+              <a:rPr kumimoji="1" lang="ja-JP" altLang="en-US" dirty="0"/>
+              <a:t>動画の構成</a:t>
+            </a:r>
+            <a:endParaRPr kumimoji="1" lang="en-US" altLang="ja-JP" dirty="0"/>
+          </a:p>
+          <a:p>
+            <a:endParaRPr lang="en-US" altLang="ja-JP" dirty="0"/>
+          </a:p>
+          <a:p>
+            <a:pPr marL="342900" indent="-342900">
+              <a:buFont typeface="+mj-lt"/>
+              <a:buAutoNum type="arabicPeriod"/>
+            </a:pPr>
+            <a:r>
+              <a:rPr lang="ja-JP" altLang="en-US" dirty="0"/>
+              <a:t>自己紹介</a:t>
+            </a:r>
+            <a:endParaRPr lang="en-US" altLang="ja-JP" dirty="0"/>
+          </a:p>
+          <a:p>
+            <a:pPr marL="342900" indent="-342900">
+              <a:buFont typeface="+mj-lt"/>
+              <a:buAutoNum type="arabicPeriod"/>
+            </a:pPr>
+            <a:r>
+              <a:rPr kumimoji="1" lang="ja-JP" altLang="en-US" dirty="0"/>
+              <a:t>強み</a:t>
+            </a:r>
+            <a:endParaRPr kumimoji="1" lang="en-US" altLang="ja-JP" dirty="0"/>
+          </a:p>
+          <a:p>
+            <a:pPr marL="800100" lvl="1" indent="-342900">
+              <a:buFont typeface="+mj-lt"/>
+              <a:buAutoNum type="arabicPeriod"/>
+            </a:pPr>
+            <a:r>
+              <a:rPr lang="ja-JP" altLang="en-US" dirty="0"/>
+              <a:t>プログラムができるプランナー，ゆえにプログラマと密にコミュニケーションが取れる</a:t>
+            </a:r>
+            <a:endParaRPr lang="en-US" altLang="ja-JP" dirty="0"/>
+          </a:p>
+          <a:p>
+            <a:pPr marL="800100" lvl="1" indent="-342900">
+              <a:buFont typeface="+mj-lt"/>
+              <a:buAutoNum type="arabicPeriod"/>
+            </a:pPr>
+            <a:r>
+              <a:rPr lang="ja-JP" altLang="en-US" dirty="0"/>
+              <a:t>研究熱心</a:t>
+            </a:r>
+            <a:endParaRPr lang="en-US" altLang="ja-JP" dirty="0"/>
+          </a:p>
+          <a:p>
+            <a:pPr marL="1257300" lvl="2" indent="-342900">
+              <a:buFont typeface="+mj-lt"/>
+              <a:buAutoNum type="arabicPeriod"/>
+            </a:pPr>
+            <a:r>
+              <a:rPr kumimoji="1" lang="ja-JP" altLang="en-US" dirty="0"/>
+              <a:t>ただ企画するだけでなく実際に作ってみて検証したり，何が良くて何がダメだったか考えて動く</a:t>
+            </a:r>
+            <a:endParaRPr kumimoji="1" lang="en-US" altLang="ja-JP" dirty="0"/>
+          </a:p>
+          <a:p>
+            <a:pPr marL="1257300" lvl="2" indent="-342900">
+              <a:buFont typeface="+mj-lt"/>
+              <a:buAutoNum type="arabicPeriod"/>
+            </a:pPr>
+            <a:r>
+              <a:rPr kumimoji="1" lang="ja-JP" altLang="en-US" dirty="0"/>
+              <a:t>ゲーム分析を普段から行っている</a:t>
+            </a:r>
+            <a:endParaRPr kumimoji="1" lang="en-US" altLang="ja-JP" dirty="0"/>
+          </a:p>
+          <a:p>
+            <a:pPr marL="342900" indent="-342900">
+              <a:buFont typeface="+mj-lt"/>
+              <a:buAutoNum type="arabicPeriod"/>
+            </a:pPr>
+            <a:r>
+              <a:rPr kumimoji="1" lang="ja-JP" altLang="en-US" dirty="0"/>
+              <a:t>面白いに対する追及と割り切り</a:t>
+            </a:r>
+            <a:endParaRPr kumimoji="1" lang="en-US" altLang="ja-JP" dirty="0"/>
+          </a:p>
+          <a:p>
+            <a:pPr marL="800100" lvl="1" indent="-342900">
+              <a:buFont typeface="+mj-lt"/>
+              <a:buAutoNum type="arabicPeriod"/>
+            </a:pPr>
+            <a:r>
+              <a:rPr lang="ja-JP" altLang="en-US" dirty="0"/>
+              <a:t>締切と能力を天秤にかけて判断できる</a:t>
+            </a:r>
+            <a:endParaRPr kumimoji="1" lang="en-US" altLang="ja-JP" dirty="0"/>
+          </a:p>
+        </p:txBody>
+      </p:sp>
+    </p:spTree>
+    <p:extLst>
+      <p:ext uri="{BB962C8B-B14F-4D97-AF65-F5344CB8AC3E}">
+        <p14:creationId xmlns:p14="http://schemas.microsoft.com/office/powerpoint/2010/main" val="2068784818"/>
+      </p:ext>
+    </p:extLst>
+  </p:cSld>
+  <p:clrMapOvr>
+    <a:masterClrMapping/>
+  </p:clrMapOvr>
+</p:sld>
+</file>
+
+<file path=ppt/slides/slide7.xml><?xml version="1.0" encoding="utf-8"?>
+<p:sld xmlns:a="http://schemas.openxmlformats.org/drawingml/2006/main" xmlns:r="http://schemas.openxmlformats.org/officeDocument/2006/relationships" xmlns:p="http://schemas.openxmlformats.org/presentationml/2006/main">
+  <p:cSld>
+    <p:spTree>
+      <p:nvGrpSpPr>
+        <p:cNvPr id="1" name=""/>
+        <p:cNvGrpSpPr/>
+        <p:nvPr/>
+      </p:nvGrpSpPr>
+      <p:grpSpPr>
+        <a:xfrm>
+          <a:off x="0" y="0"/>
+          <a:ext cx="0" cy="0"/>
+          <a:chOff x="0" y="0"/>
+          <a:chExt cx="0" cy="0"/>
+        </a:xfrm>
+      </p:grpSpPr>
+      <p:sp>
+        <p:nvSpPr>
+          <p:cNvPr id="4" name="テキスト ボックス 3">
+            <a:extLst>
+              <a:ext uri="{FF2B5EF4-FFF2-40B4-BE49-F238E27FC236}">
+                <a16:creationId xmlns:a16="http://schemas.microsoft.com/office/drawing/2014/main" id="{1A5FE74D-DC1F-94F0-C222-7CB116C08DF7}"/>
+              </a:ext>
+            </a:extLst>
+          </p:cNvPr>
+          <p:cNvSpPr txBox="1"/>
+          <p:nvPr/>
+        </p:nvSpPr>
+        <p:spPr>
+          <a:xfrm>
+            <a:off x="337930" y="543339"/>
+            <a:ext cx="1620957" cy="523220"/>
+          </a:xfrm>
+          <a:prstGeom prst="rect">
+            <a:avLst/>
+          </a:prstGeom>
+          <a:noFill/>
+        </p:spPr>
+        <p:txBody>
+          <a:bodyPr wrap="none" rtlCol="0">
+            <a:spAutoFit/>
+          </a:bodyPr>
+          <a:lstStyle/>
+          <a:p>
+            <a:r>
+              <a:rPr kumimoji="1" lang="ja-JP" altLang="en-US" sz="2800" dirty="0"/>
+              <a:t>自己紹介</a:t>
+            </a:r>
+          </a:p>
+        </p:txBody>
+      </p:sp>
+      <p:sp>
+        <p:nvSpPr>
+          <p:cNvPr id="5" name="テキスト ボックス 4">
+            <a:extLst>
+              <a:ext uri="{FF2B5EF4-FFF2-40B4-BE49-F238E27FC236}">
+                <a16:creationId xmlns:a16="http://schemas.microsoft.com/office/drawing/2014/main" id="{9029FD98-1C94-8D02-88DA-2EECBA55EB5B}"/>
+              </a:ext>
+            </a:extLst>
+          </p:cNvPr>
+          <p:cNvSpPr txBox="1"/>
+          <p:nvPr/>
+        </p:nvSpPr>
+        <p:spPr>
+          <a:xfrm>
+            <a:off x="3352800" y="1417982"/>
+            <a:ext cx="4167810" cy="1477328"/>
+          </a:xfrm>
+          <a:prstGeom prst="rect">
+            <a:avLst/>
+          </a:prstGeom>
+          <a:noFill/>
+        </p:spPr>
+        <p:txBody>
+          <a:bodyPr wrap="square" rtlCol="0">
+            <a:spAutoFit/>
+          </a:bodyPr>
+          <a:lstStyle/>
+          <a:p>
+            <a:pPr algn="r"/>
+            <a:r>
+              <a:rPr lang="ja-JP" altLang="en-US" dirty="0"/>
+              <a:t>和歌山大学大学院システム工学研究科</a:t>
+            </a:r>
+            <a:endParaRPr lang="en-US" altLang="ja-JP" dirty="0"/>
+          </a:p>
+          <a:p>
+            <a:pPr algn="r"/>
+            <a:r>
+              <a:rPr kumimoji="1" lang="ja-JP" altLang="en-US" dirty="0"/>
+              <a:t>視覚メディア研究室</a:t>
+            </a:r>
+            <a:endParaRPr kumimoji="1" lang="en-US" altLang="ja-JP" dirty="0"/>
+          </a:p>
+          <a:p>
+            <a:pPr algn="r"/>
+            <a:r>
+              <a:rPr kumimoji="1" lang="ja-JP" altLang="en-US" dirty="0"/>
+              <a:t>野戸</a:t>
+            </a:r>
+            <a:r>
+              <a:rPr lang="ja-JP" altLang="en-US" dirty="0"/>
+              <a:t>彰大</a:t>
+            </a:r>
+            <a:endParaRPr lang="en-US" altLang="ja-JP" dirty="0"/>
+          </a:p>
+          <a:p>
+            <a:pPr algn="r"/>
+            <a:endParaRPr kumimoji="1" lang="en-US" altLang="ja-JP" dirty="0"/>
+          </a:p>
+          <a:p>
+            <a:pPr algn="r"/>
+            <a:r>
+              <a:rPr lang="en-US" altLang="ja-JP" dirty="0"/>
+              <a:t>1999/10/30</a:t>
+            </a:r>
+            <a:r>
+              <a:rPr lang="ja-JP" altLang="en-US" dirty="0"/>
+              <a:t>生</a:t>
+            </a:r>
+            <a:endParaRPr kumimoji="1" lang="ja-JP" altLang="en-US" dirty="0"/>
+          </a:p>
+        </p:txBody>
+      </p:sp>
+    </p:spTree>
+    <p:extLst>
+      <p:ext uri="{BB962C8B-B14F-4D97-AF65-F5344CB8AC3E}">
+        <p14:creationId xmlns:p14="http://schemas.microsoft.com/office/powerpoint/2010/main" val="738002175"/>
+      </p:ext>
+    </p:extLst>
+  </p:cSld>
+  <p:clrMapOvr>
+    <a:masterClrMapping/>
+  </p:clrMapOvr>
+</p:sld>
+</file>
+
+<file path=ppt/slides/slide8.xml><?xml version="1.0" encoding="utf-8"?>
+<p:sld xmlns:a="http://schemas.openxmlformats.org/drawingml/2006/main" xmlns:r="http://schemas.openxmlformats.org/officeDocument/2006/relationships" xmlns:p="http://schemas.openxmlformats.org/presentationml/2006/main">
+  <p:cSld>
+    <p:spTree>
+      <p:nvGrpSpPr>
+        <p:cNvPr id="1" name=""/>
+        <p:cNvGrpSpPr/>
+        <p:nvPr/>
+      </p:nvGrpSpPr>
+      <p:grpSpPr>
+        <a:xfrm>
+          <a:off x="0" y="0"/>
+          <a:ext cx="0" cy="0"/>
+          <a:chOff x="0" y="0"/>
+          <a:chExt cx="0" cy="0"/>
+        </a:xfrm>
+      </p:grpSpPr>
+      <p:sp>
+        <p:nvSpPr>
+          <p:cNvPr id="4" name="テキスト ボックス 3">
+            <a:extLst>
+              <a:ext uri="{FF2B5EF4-FFF2-40B4-BE49-F238E27FC236}">
+                <a16:creationId xmlns:a16="http://schemas.microsoft.com/office/drawing/2014/main" id="{1A5FE74D-DC1F-94F0-C222-7CB116C08DF7}"/>
+              </a:ext>
+            </a:extLst>
+          </p:cNvPr>
+          <p:cNvSpPr txBox="1"/>
+          <p:nvPr/>
+        </p:nvSpPr>
+        <p:spPr>
+          <a:xfrm>
+            <a:off x="337930" y="543339"/>
+            <a:ext cx="902811" cy="523220"/>
+          </a:xfrm>
+          <a:prstGeom prst="rect">
+            <a:avLst/>
+          </a:prstGeom>
+          <a:noFill/>
+        </p:spPr>
+        <p:txBody>
+          <a:bodyPr wrap="none" rtlCol="0">
+            <a:spAutoFit/>
+          </a:bodyPr>
+          <a:lstStyle/>
+          <a:p>
+            <a:r>
+              <a:rPr kumimoji="1" lang="ja-JP" altLang="en-US" sz="2800" dirty="0"/>
+              <a:t>強み</a:t>
+            </a:r>
+          </a:p>
+        </p:txBody>
+      </p:sp>
+      <p:sp>
+        <p:nvSpPr>
+          <p:cNvPr id="5" name="テキスト ボックス 4">
+            <a:extLst>
+              <a:ext uri="{FF2B5EF4-FFF2-40B4-BE49-F238E27FC236}">
+                <a16:creationId xmlns:a16="http://schemas.microsoft.com/office/drawing/2014/main" id="{9029FD98-1C94-8D02-88DA-2EECBA55EB5B}"/>
+              </a:ext>
+            </a:extLst>
+          </p:cNvPr>
+          <p:cNvSpPr txBox="1"/>
+          <p:nvPr/>
+        </p:nvSpPr>
+        <p:spPr>
+          <a:xfrm>
+            <a:off x="887896" y="1663146"/>
+            <a:ext cx="5552660" cy="2585323"/>
+          </a:xfrm>
+          <a:prstGeom prst="rect">
+            <a:avLst/>
+          </a:prstGeom>
+          <a:noFill/>
+        </p:spPr>
+        <p:txBody>
+          <a:bodyPr wrap="square" rtlCol="0">
+            <a:spAutoFit/>
+          </a:bodyPr>
+          <a:lstStyle/>
+          <a:p>
+            <a:pPr marL="342900" indent="-342900">
+              <a:buFont typeface="+mj-lt"/>
+              <a:buAutoNum type="arabicPeriod"/>
+            </a:pPr>
+            <a:r>
+              <a:rPr kumimoji="1" lang="en-US" altLang="ja-JP" dirty="0" err="1"/>
+              <a:t>Pr</a:t>
+            </a:r>
+            <a:r>
+              <a:rPr kumimoji="1" lang="ja-JP" altLang="en-US" dirty="0"/>
+              <a:t>ができる</a:t>
+            </a:r>
+            <a:r>
+              <a:rPr kumimoji="1" lang="en-US" altLang="ja-JP" dirty="0"/>
+              <a:t>Pl</a:t>
+            </a:r>
+            <a:r>
+              <a:rPr kumimoji="1" lang="ja-JP" altLang="en-US" dirty="0"/>
+              <a:t>，コミュニケーションの例</a:t>
+            </a:r>
+            <a:endParaRPr kumimoji="1" lang="en-US" altLang="ja-JP" dirty="0"/>
+          </a:p>
+          <a:p>
+            <a:pPr marL="800100" lvl="1" indent="-342900">
+              <a:buFont typeface="+mj-lt"/>
+              <a:buAutoNum type="arabicPeriod"/>
+            </a:pPr>
+            <a:r>
+              <a:rPr lang="ja-JP" altLang="en-US" dirty="0"/>
+              <a:t>両方で携わった作品</a:t>
+            </a:r>
+            <a:r>
+              <a:rPr lang="en-US" altLang="ja-JP" dirty="0"/>
+              <a:t>()</a:t>
+            </a:r>
+          </a:p>
+          <a:p>
+            <a:pPr marL="800100" lvl="1" indent="-342900">
+              <a:buFont typeface="+mj-lt"/>
+              <a:buAutoNum type="arabicPeriod"/>
+            </a:pPr>
+            <a:r>
+              <a:rPr kumimoji="1" lang="ja-JP" altLang="en-US" dirty="0"/>
+              <a:t>実際</a:t>
+            </a:r>
+            <a:r>
+              <a:rPr lang="ja-JP" altLang="en-US" dirty="0"/>
+              <a:t>の画面とソースコード</a:t>
+            </a:r>
+            <a:endParaRPr lang="en-US" altLang="ja-JP" dirty="0"/>
+          </a:p>
+          <a:p>
+            <a:pPr marL="800100" lvl="1" indent="-342900">
+              <a:buFont typeface="+mj-lt"/>
+              <a:buAutoNum type="arabicPeriod"/>
+            </a:pPr>
+            <a:r>
+              <a:rPr lang="ja-JP" altLang="en-US" dirty="0"/>
+              <a:t>コミュニケーションの例</a:t>
+            </a:r>
+            <a:endParaRPr kumimoji="1" lang="en-US" altLang="ja-JP" dirty="0"/>
+          </a:p>
+          <a:p>
+            <a:pPr marL="342900" indent="-342900">
+              <a:buFont typeface="+mj-lt"/>
+              <a:buAutoNum type="arabicPeriod"/>
+            </a:pPr>
+            <a:r>
+              <a:rPr lang="ja-JP" altLang="en-US" dirty="0"/>
+              <a:t>研究熱心</a:t>
+            </a:r>
+            <a:endParaRPr lang="en-US" altLang="ja-JP" dirty="0"/>
+          </a:p>
+          <a:p>
+            <a:pPr marL="800100" lvl="1" indent="-342900">
+              <a:buFont typeface="+mj-lt"/>
+              <a:buAutoNum type="arabicPeriod"/>
+            </a:pPr>
+            <a:r>
+              <a:rPr kumimoji="1" lang="ja-JP" altLang="en-US" dirty="0"/>
+              <a:t>実際に作った作品とそのフィードバック</a:t>
+            </a:r>
+            <a:endParaRPr kumimoji="1" lang="en-US" altLang="ja-JP" dirty="0"/>
+          </a:p>
+          <a:p>
+            <a:pPr marL="800100" lvl="1" indent="-342900">
+              <a:buFont typeface="+mj-lt"/>
+              <a:buAutoNum type="arabicPeriod"/>
+            </a:pPr>
+            <a:r>
+              <a:rPr kumimoji="1" lang="ja-JP" altLang="en-US" dirty="0"/>
+              <a:t>結果の例</a:t>
+            </a:r>
+            <a:endParaRPr kumimoji="1" lang="en-US" altLang="ja-JP" dirty="0"/>
+          </a:p>
+          <a:p>
+            <a:pPr marL="342900" indent="-342900">
+              <a:buFont typeface="+mj-lt"/>
+              <a:buAutoNum type="arabicPeriod"/>
+            </a:pPr>
+            <a:r>
+              <a:rPr kumimoji="1" lang="ja-JP" altLang="en-US" dirty="0"/>
+              <a:t>面白いに対する追及と割り切り</a:t>
+            </a:r>
+            <a:endParaRPr kumimoji="1" lang="en-US" altLang="ja-JP" dirty="0"/>
+          </a:p>
+          <a:p>
+            <a:pPr marL="800100" lvl="1" indent="-342900">
+              <a:buFont typeface="+mj-lt"/>
+              <a:buAutoNum type="arabicPeriod"/>
+            </a:pPr>
+            <a:r>
+              <a:rPr lang="ja-JP" altLang="en-US" dirty="0"/>
+              <a:t>実際の例</a:t>
+            </a:r>
+            <a:endParaRPr kumimoji="1" lang="ja-JP" altLang="en-US" dirty="0"/>
+          </a:p>
+        </p:txBody>
+      </p:sp>
+    </p:spTree>
+    <p:extLst>
+      <p:ext uri="{BB962C8B-B14F-4D97-AF65-F5344CB8AC3E}">
+        <p14:creationId xmlns:p14="http://schemas.microsoft.com/office/powerpoint/2010/main" val="692856898"/>
+      </p:ext>
+    </p:extLst>
+  </p:cSld>
+  <p:clrMapOvr>
+    <a:masterClrMapping/>
+  </p:clrMapOvr>
+</p:sld>
+</file>
+
 <file path=ppt/theme/theme1.xml><?xml version="1.0" encoding="utf-8"?>
 <a:theme xmlns:a="http://schemas.openxmlformats.org/drawingml/2006/main" name="Office テーマ">
   <a:themeElements>
@@ -2307,4 +4631,299 @@
     </a:ext>
   </a:extLst>
 </a:theme>
+</file>
+
+<file path=ppt/theme/theme2.xml><?xml version="1.0" encoding="utf-8"?>
+<a:theme xmlns:a="http://schemas.openxmlformats.org/drawingml/2006/main" name="Office テーマ">
+  <a:themeElements>
+    <a:clrScheme name="Office">
+      <a:dk1>
+        <a:sysClr val="windowText" lastClr="000000"/>
+      </a:dk1>
+      <a:lt1>
+        <a:sysClr val="window" lastClr="FFFFFF"/>
+      </a:lt1>
+      <a:dk2>
+        <a:srgbClr val="44546A"/>
+      </a:dk2>
+      <a:lt2>
+        <a:srgbClr val="E7E6E6"/>
+      </a:lt2>
+      <a:accent1>
+        <a:srgbClr val="4472C4"/>
+      </a:accent1>
+      <a:accent2>
+        <a:srgbClr val="ED7D31"/>
+      </a:accent2>
+      <a:accent3>
+        <a:srgbClr val="A5A5A5"/>
+      </a:accent3>
+      <a:accent4>
+        <a:srgbClr val="FFC000"/>
+      </a:accent4>
+      <a:accent5>
+        <a:srgbClr val="5B9BD5"/>
+      </a:accent5>
+      <a:accent6>
+        <a:srgbClr val="70AD47"/>
+      </a:accent6>
+      <a:hlink>
+        <a:srgbClr val="0563C1"/>
+      </a:hlink>
+      <a:folHlink>
+        <a:srgbClr val="954F72"/>
+      </a:folHlink>
+    </a:clrScheme>
+    <a:fontScheme name="Office">
+      <a:majorFont>
+        <a:latin typeface="游ゴシック Light" panose="020F0302020204030204"/>
+        <a:ea typeface=""/>
+        <a:cs typeface=""/>
+        <a:font script="Jpan" typeface="游ゴシック Light"/>
+        <a:font script="Hang" typeface="맑은 고딕"/>
+        <a:font script="Hans" typeface="等线 Light"/>
+        <a:font script="Hant" typeface="新細明體"/>
+        <a:font script="Arab" typeface="Times New Roman"/>
+        <a:font script="Hebr" typeface="Times New Roman"/>
+        <a:font script="Thai" typeface="Angsana New"/>
+        <a:font script="Ethi" typeface="Nyala"/>
+        <a:font script="Beng" typeface="Vrinda"/>
+        <a:font script="Gujr" typeface="Shruti"/>
+        <a:font script="Khmr" typeface="MoolBoran"/>
+        <a:font script="Knda" typeface="Tunga"/>
+        <a:font script="Guru" typeface="Raavi"/>
+        <a:font script="Cans" typeface="Euphemia"/>
+        <a:font script="Cher" typeface="Plantagenet Cherokee"/>
+        <a:font script="Yiii" typeface="Microsoft Yi Baiti"/>
+        <a:font script="Tibt" typeface="Microsoft Himalaya"/>
+        <a:font script="Thaa" typeface="MV Boli"/>
+        <a:font script="Deva" typeface="Mangal"/>
+        <a:font script="Telu" typeface="Gautami"/>
+        <a:font script="Taml" typeface="Latha"/>
+        <a:font script="Syrc" typeface="Estrangelo Edessa"/>
+        <a:font script="Orya" typeface="Kalinga"/>
+        <a:font script="Mlym" typeface="Kartika"/>
+        <a:font script="Laoo" typeface="DokChampa"/>
+        <a:font script="Sinh" typeface="Iskoola Pota"/>
+        <a:font script="Mong" typeface="Mongolian Baiti"/>
+        <a:font script="Viet" typeface="Times New Roman"/>
+        <a:font script="Uigh" typeface="Microsoft Uighur"/>
+        <a:font script="Geor" typeface="Sylfaen"/>
+        <a:font script="Armn" typeface="Arial"/>
+        <a:font script="Bugi" typeface="Leelawadee UI"/>
+        <a:font script="Bopo" typeface="Microsoft JhengHei"/>
+        <a:font script="Java" typeface="Javanese Text"/>
+        <a:font script="Lisu" typeface="Segoe UI"/>
+        <a:font script="Mymr" typeface="Myanmar Text"/>
+        <a:font script="Nkoo" typeface="Ebrima"/>
+        <a:font script="Olck" typeface="Nirmala UI"/>
+        <a:font script="Osma" typeface="Ebrima"/>
+        <a:font script="Phag" typeface="Phagspa"/>
+        <a:font script="Syrn" typeface="Estrangelo Edessa"/>
+        <a:font script="Syrj" typeface="Estrangelo Edessa"/>
+        <a:font script="Syre" typeface="Estrangelo Edessa"/>
+        <a:font script="Sora" typeface="Nirmala UI"/>
+        <a:font script="Tale" typeface="Microsoft Tai Le"/>
+        <a:font script="Talu" typeface="Microsoft New Tai Lue"/>
+        <a:font script="Tfng" typeface="Ebrima"/>
+      </a:majorFont>
+      <a:minorFont>
+        <a:latin typeface="游ゴシック" panose="020F0502020204030204"/>
+        <a:ea typeface=""/>
+        <a:cs typeface=""/>
+        <a:font script="Jpan" typeface="游ゴシック"/>
+        <a:font script="Hang" typeface="맑은 고딕"/>
+        <a:font script="Hans" typeface="等线"/>
+        <a:font script="Hant" typeface="新細明體"/>
+        <a:font script="Arab" typeface="Arial"/>
+        <a:font script="Hebr" typeface="Arial"/>
+        <a:font script="Thai" typeface="Cordia New"/>
+        <a:font script="Ethi" typeface="Nyala"/>
+        <a:font script="Beng" typeface="Vrinda"/>
+        <a:font script="Gujr" typeface="Shruti"/>
+        <a:font script="Khmr" typeface="DaunPenh"/>
+        <a:font script="Knda" typeface="Tunga"/>
+        <a:font script="Guru" typeface="Raavi"/>
+        <a:font script="Cans" typeface="Euphemia"/>
+        <a:font script="Cher" typeface="Plantagenet Cherokee"/>
+        <a:font script="Yiii" typeface="Microsoft Yi Baiti"/>
+        <a:font script="Tibt" typeface="Microsoft Himalaya"/>
+        <a:font script="Thaa" typeface="MV Boli"/>
+        <a:font script="Deva" typeface="Mangal"/>
+        <a:font script="Telu" typeface="Gautami"/>
+        <a:font script="Taml" typeface="Latha"/>
+        <a:font script="Syrc" typeface="Estrangelo Edessa"/>
+        <a:font script="Orya" typeface="Kalinga"/>
+        <a:font script="Mlym" typeface="Kartika"/>
+        <a:font script="Laoo" typeface="DokChampa"/>
+        <a:font script="Sinh" typeface="Iskoola Pota"/>
+        <a:font script="Mong" typeface="Mongolian Baiti"/>
+        <a:font script="Viet" typeface="Arial"/>
+        <a:font script="Uigh" typeface="Microsoft Uighur"/>
+        <a:font script="Geor" typeface="Sylfaen"/>
+        <a:font script="Armn" typeface="Arial"/>
+        <a:font script="Bugi" typeface="Leelawadee UI"/>
+        <a:font script="Bopo" typeface="Microsoft JhengHei"/>
+        <a:font script="Java" typeface="Javanese Text"/>
+        <a:font script="Lisu" typeface="Segoe UI"/>
+        <a:font script="Mymr" typeface="Myanmar Text"/>
+        <a:font script="Nkoo" typeface="Ebrima"/>
+        <a:font script="Olck" typeface="Nirmala UI"/>
+        <a:font script="Osma" typeface="Ebrima"/>
+        <a:font script="Phag" typeface="Phagspa"/>
+        <a:font script="Syrn" typeface="Estrangelo Edessa"/>
+        <a:font script="Syrj" typeface="Estrangelo Edessa"/>
+        <a:font script="Syre" typeface="Estrangelo Edessa"/>
+        <a:font script="Sora" typeface="Nirmala UI"/>
+        <a:font script="Tale" typeface="Microsoft Tai Le"/>
+        <a:font script="Talu" typeface="Microsoft New Tai Lue"/>
+        <a:font script="Tfng" typeface="Ebrima"/>
+      </a:minorFont>
+    </a:fontScheme>
+    <a:fmtScheme name="Office">
+      <a:fillStyleLst>
+        <a:solidFill>
+          <a:schemeClr val="phClr"/>
+        </a:solidFill>
+        <a:gradFill rotWithShape="1">
+          <a:gsLst>
+            <a:gs pos="0">
+              <a:schemeClr val="phClr">
+                <a:lumMod val="110000"/>
+                <a:satMod val="105000"/>
+                <a:tint val="67000"/>
+              </a:schemeClr>
+            </a:gs>
+            <a:gs pos="50000">
+              <a:schemeClr val="phClr">
+                <a:lumMod val="105000"/>
+                <a:satMod val="103000"/>
+                <a:tint val="73000"/>
+              </a:schemeClr>
+            </a:gs>
+            <a:gs pos="100000">
+              <a:schemeClr val="phClr">
+                <a:lumMod val="105000"/>
+                <a:satMod val="109000"/>
+                <a:tint val="81000"/>
+              </a:schemeClr>
+            </a:gs>
+          </a:gsLst>
+          <a:lin ang="5400000" scaled="0"/>
+        </a:gradFill>
+        <a:gradFill rotWithShape="1">
+          <a:gsLst>
+            <a:gs pos="0">
+              <a:schemeClr val="phClr">
+                <a:satMod val="103000"/>
+                <a:lumMod val="102000"/>
+                <a:tint val="94000"/>
+              </a:schemeClr>
+            </a:gs>
+            <a:gs pos="50000">
+              <a:schemeClr val="phClr">
+                <a:satMod val="110000"/>
+                <a:lumMod val="100000"/>
+                <a:shade val="100000"/>
+              </a:schemeClr>
+            </a:gs>
+            <a:gs pos="100000">
+              <a:schemeClr val="phClr">
+                <a:lumMod val="99000"/>
+                <a:satMod val="120000"/>
+                <a:shade val="78000"/>
+              </a:schemeClr>
+            </a:gs>
+          </a:gsLst>
+          <a:lin ang="5400000" scaled="0"/>
+        </a:gradFill>
+      </a:fillStyleLst>
+      <a:lnStyleLst>
+        <a:ln w="6350" cap="flat" cmpd="sng" algn="ctr">
+          <a:solidFill>
+            <a:schemeClr val="phClr"/>
+          </a:solidFill>
+          <a:prstDash val="solid"/>
+          <a:miter lim="800000"/>
+        </a:ln>
+        <a:ln w="12700" cap="flat" cmpd="sng" algn="ctr">
+          <a:solidFill>
+            <a:schemeClr val="phClr"/>
+          </a:solidFill>
+          <a:prstDash val="solid"/>
+          <a:miter lim="800000"/>
+        </a:ln>
+        <a:ln w="19050" cap="flat" cmpd="sng" algn="ctr">
+          <a:solidFill>
+            <a:schemeClr val="phClr"/>
+          </a:solidFill>
+          <a:prstDash val="solid"/>
+          <a:miter lim="800000"/>
+        </a:ln>
+      </a:lnStyleLst>
+      <a:effectStyleLst>
+        <a:effectStyle>
+          <a:effectLst/>
+        </a:effectStyle>
+        <a:effectStyle>
+          <a:effectLst/>
+        </a:effectStyle>
+        <a:effectStyle>
+          <a:effectLst>
+            <a:outerShdw blurRad="57150" dist="19050" dir="5400000" algn="ctr" rotWithShape="0">
+              <a:srgbClr val="000000">
+                <a:alpha val="63000"/>
+              </a:srgbClr>
+            </a:outerShdw>
+          </a:effectLst>
+        </a:effectStyle>
+      </a:effectStyleLst>
+      <a:bgFillStyleLst>
+        <a:solidFill>
+          <a:schemeClr val="phClr"/>
+        </a:solidFill>
+        <a:solidFill>
+          <a:schemeClr val="phClr">
+            <a:tint val="95000"/>
+            <a:satMod val="170000"/>
+          </a:schemeClr>
+        </a:solidFill>
+        <a:gradFill rotWithShape="1">
+          <a:gsLst>
+            <a:gs pos="0">
+              <a:schemeClr val="phClr">
+                <a:tint val="93000"/>
+                <a:satMod val="150000"/>
+                <a:shade val="98000"/>
+                <a:lumMod val="102000"/>
+              </a:schemeClr>
+            </a:gs>
+            <a:gs pos="50000">
+              <a:schemeClr val="phClr">
+                <a:tint val="98000"/>
+                <a:satMod val="130000"/>
+                <a:shade val="90000"/>
+                <a:lumMod val="103000"/>
+              </a:schemeClr>
+            </a:gs>
+            <a:gs pos="100000">
+              <a:schemeClr val="phClr">
+                <a:shade val="63000"/>
+                <a:satMod val="120000"/>
+              </a:schemeClr>
+            </a:gs>
+          </a:gsLst>
+          <a:lin ang="5400000" scaled="0"/>
+        </a:gradFill>
+      </a:bgFillStyleLst>
+    </a:fmtScheme>
+  </a:themeElements>
+  <a:objectDefaults/>
+  <a:extraClrSchemeLst/>
+  <a:extLst>
+    <a:ext uri="{05A4C25C-085E-4340-85A3-A5531E510DB2}">
+      <thm15:themeFamily xmlns:thm15="http://schemas.microsoft.com/office/thememl/2012/main" name="Office Theme" id="{62F939B6-93AF-4DB8-9C6B-D6C7DFDC589F}" vid="{4A3C46E8-61CC-4603-A589-7422A47A8E4A}"/>
+    </a:ext>
+  </a:extLst>
+</a:theme>
 </file>
--- a/サイト設計図.pptx
+++ b/サイト設計図.pptx
@@ -454,7 +454,7 @@
           <a:p>
             <a:fld id="{40C1427B-F86A-466B-9FE2-3CFBE877D76D}" type="datetimeFigureOut">
               <a:rPr kumimoji="1" lang="ja-JP" altLang="en-US" smtClean="0"/>
-              <a:t>2023/2/21</a:t>
+              <a:t>2023/2/24</a:t>
             </a:fld>
             <a:endParaRPr kumimoji="1" lang="ja-JP" altLang="en-US"/>
           </a:p>
@@ -3763,7 +3763,7 @@
         </p:nvSpPr>
         <p:spPr>
           <a:xfrm>
-            <a:off x="424070" y="1099930"/>
+            <a:off x="417444" y="986975"/>
             <a:ext cx="8494633" cy="1754326"/>
           </a:xfrm>
           <a:prstGeom prst="rect">
@@ -3862,8 +3862,8 @@
         </p:nvSpPr>
         <p:spPr>
           <a:xfrm>
-            <a:off x="324678" y="3095971"/>
-            <a:ext cx="11380038" cy="2862322"/>
+            <a:off x="119269" y="2801248"/>
+            <a:ext cx="10924786" cy="3970318"/>
           </a:xfrm>
           <a:prstGeom prst="rect">
             <a:avLst/>
@@ -3880,9 +3880,6 @@
               <a:rPr kumimoji="1" lang="ja-JP" altLang="en-US" dirty="0"/>
               <a:t>動画の構成</a:t>
             </a:r>
-            <a:endParaRPr kumimoji="1" lang="en-US" altLang="ja-JP" dirty="0"/>
-          </a:p>
-          <a:p>
             <a:endParaRPr lang="en-US" altLang="ja-JP" dirty="0"/>
           </a:p>
           <a:p>
@@ -3897,6 +3894,28 @@
             <a:endParaRPr lang="en-US" altLang="ja-JP" dirty="0"/>
           </a:p>
           <a:p>
+            <a:pPr marL="800100" lvl="1" indent="-342900">
+              <a:buFont typeface="+mj-lt"/>
+              <a:buAutoNum type="arabicPeriod"/>
+            </a:pPr>
+            <a:r>
+              <a:rPr lang="ja-JP" altLang="en-US" dirty="0"/>
+              <a:t>和歌山大学大学院システム工学研究科視覚メディア研究室</a:t>
+            </a:r>
+            <a:endParaRPr lang="en-US" altLang="ja-JP" dirty="0"/>
+          </a:p>
+          <a:p>
+            <a:pPr marL="800100" lvl="1" indent="-342900">
+              <a:buFont typeface="+mj-lt"/>
+              <a:buAutoNum type="arabicPeriod"/>
+            </a:pPr>
+            <a:r>
+              <a:rPr lang="ja-JP" altLang="en-US" dirty="0"/>
+              <a:t>研究内容</a:t>
+            </a:r>
+            <a:endParaRPr lang="en-US" altLang="ja-JP" dirty="0"/>
+          </a:p>
+          <a:p>
             <a:pPr marL="342900" indent="-342900">
               <a:buFont typeface="+mj-lt"/>
               <a:buAutoNum type="arabicPeriod"/>
@@ -3914,7 +3933,18 @@
             </a:pPr>
             <a:r>
               <a:rPr lang="ja-JP" altLang="en-US" dirty="0"/>
-              <a:t>プログラムができるプランナー，ゆえにプログラマと密にコミュニケーションが取れる</a:t>
+              <a:t>負けず嫌い，責任感強い</a:t>
+            </a:r>
+            <a:endParaRPr lang="en-US" altLang="ja-JP" dirty="0"/>
+          </a:p>
+          <a:p>
+            <a:pPr marL="1257300" lvl="2" indent="-342900">
+              <a:buFont typeface="+mj-lt"/>
+              <a:buAutoNum type="arabicPeriod"/>
+            </a:pPr>
+            <a:r>
+              <a:rPr lang="ja-JP" altLang="en-US" dirty="0"/>
+              <a:t>ゆるゲー→夏チーム</a:t>
             </a:r>
             <a:endParaRPr lang="en-US" altLang="ja-JP" dirty="0"/>
           </a:p>
@@ -3936,7 +3966,26 @@
             </a:pPr>
             <a:r>
               <a:rPr kumimoji="1" lang="ja-JP" altLang="en-US" dirty="0"/>
-              <a:t>ただ企画するだけでなく実際に作ってみて検証したり，何が良くて何がダメだったか考えて動く</a:t>
+              <a:t>ただ企画するだけでなく実際に作ってみて検証したり，反省会をしたりしている</a:t>
+            </a:r>
+            <a:endParaRPr kumimoji="1" lang="en-US" altLang="ja-JP" dirty="0"/>
+          </a:p>
+          <a:p>
+            <a:pPr marL="1714500" lvl="3" indent="-342900">
+              <a:buFont typeface="+mj-lt"/>
+              <a:buAutoNum type="arabicPeriod"/>
+            </a:pPr>
+            <a:r>
+              <a:rPr lang="ja-JP" altLang="en-US" dirty="0"/>
+              <a:t>夏チーム→ゲームの理論→</a:t>
+            </a:r>
+            <a:r>
+              <a:rPr lang="en-US" altLang="ja-JP" dirty="0" err="1"/>
+              <a:t>MuscleBomb</a:t>
+            </a:r>
+            <a:r>
+              <a:rPr lang="ja-JP" altLang="en-US" dirty="0"/>
+              <a:t>→パズルゲーム→中野とのやつ→喜多とのやつ</a:t>
             </a:r>
             <a:endParaRPr kumimoji="1" lang="en-US" altLang="ja-JP" dirty="0"/>
           </a:p>
@@ -3949,18 +3998,18 @@
               <a:rPr kumimoji="1" lang="ja-JP" altLang="en-US" dirty="0"/>
               <a:t>ゲーム分析を普段から行っている</a:t>
             </a:r>
-            <a:endParaRPr kumimoji="1" lang="en-US" altLang="ja-JP" dirty="0"/>
-          </a:p>
-          <a:p>
-            <a:pPr marL="342900" indent="-342900">
+            <a:endParaRPr lang="en-US" altLang="ja-JP" dirty="0"/>
+          </a:p>
+          <a:p>
+            <a:pPr marL="1714500" lvl="3" indent="-342900">
               <a:buFont typeface="+mj-lt"/>
               <a:buAutoNum type="arabicPeriod"/>
             </a:pPr>
             <a:r>
-              <a:rPr kumimoji="1" lang="ja-JP" altLang="en-US" dirty="0"/>
-              <a:t>面白いに対する追及と割り切り</a:t>
-            </a:r>
-            <a:endParaRPr kumimoji="1" lang="en-US" altLang="ja-JP" dirty="0"/>
+              <a:rPr lang="ja-JP" altLang="en-US" dirty="0"/>
+              <a:t>先輩との例，直近タイトルの分析</a:t>
+            </a:r>
+            <a:endParaRPr lang="en-US" altLang="ja-JP" dirty="0"/>
           </a:p>
           <a:p>
             <a:pPr marL="800100" lvl="1" indent="-342900">
@@ -3969,9 +4018,20 @@
             </a:pPr>
             <a:r>
               <a:rPr lang="ja-JP" altLang="en-US" dirty="0"/>
-              <a:t>締切と能力を天秤にかけて判断できる</a:t>
-            </a:r>
-            <a:endParaRPr kumimoji="1" lang="en-US" altLang="ja-JP" dirty="0"/>
+              <a:t>プログラムができるプランナー，ゆえにプログラマと密にコミュニケーションが取れる</a:t>
+            </a:r>
+            <a:endParaRPr lang="en-US" altLang="ja-JP" dirty="0"/>
+          </a:p>
+          <a:p>
+            <a:pPr marL="1714500" lvl="3" indent="-342900">
+              <a:buFont typeface="+mj-lt"/>
+              <a:buAutoNum type="arabicPeriod"/>
+            </a:pPr>
+            <a:r>
+              <a:rPr lang="ja-JP" altLang="en-US" dirty="0"/>
+              <a:t>直近で書いたスクリプト</a:t>
+            </a:r>
+            <a:endParaRPr lang="en-US" altLang="ja-JP" dirty="0"/>
           </a:p>
         </p:txBody>
       </p:sp>
@@ -4192,7 +4252,7 @@
         </p:nvSpPr>
         <p:spPr>
           <a:xfrm>
-            <a:off x="887896" y="1663146"/>
+            <a:off x="451404" y="1147608"/>
             <a:ext cx="5552660" cy="2585323"/>
           </a:xfrm>
           <a:prstGeom prst="rect">
@@ -4237,10 +4297,7 @@
               <a:rPr lang="ja-JP" altLang="en-US" dirty="0"/>
               <a:t>両方で携わった作品</a:t>
             </a:r>
-            <a:r>
-              <a:rPr lang="en-US" altLang="ja-JP" dirty="0"/>
-              <a:t>()</a:t>
-            </a:r>
+            <a:endParaRPr lang="en-US" altLang="ja-JP" dirty="0"/>
           </a:p>
           <a:p>
             <a:pPr marL="800100" lvl="1" indent="-342900">
@@ -4320,6 +4377,238 @@
             <a:r>
               <a:rPr lang="ja-JP" altLang="en-US" dirty="0"/>
               <a:t>実際の例</a:t>
+            </a:r>
+            <a:endParaRPr kumimoji="1" lang="ja-JP" altLang="en-US" dirty="0"/>
+          </a:p>
+        </p:txBody>
+      </p:sp>
+      <p:sp>
+        <p:nvSpPr>
+          <p:cNvPr id="2" name="テキスト ボックス 1">
+            <a:extLst>
+              <a:ext uri="{FF2B5EF4-FFF2-40B4-BE49-F238E27FC236}">
+                <a16:creationId xmlns:a16="http://schemas.microsoft.com/office/drawing/2014/main" id="{AA095435-E310-4054-BEEC-FB8E42945031}"/>
+              </a:ext>
+            </a:extLst>
+          </p:cNvPr>
+          <p:cNvSpPr txBox="1"/>
+          <p:nvPr/>
+        </p:nvSpPr>
+        <p:spPr>
+          <a:xfrm>
+            <a:off x="7341704" y="1258957"/>
+            <a:ext cx="3762568" cy="2585323"/>
+          </a:xfrm>
+          <a:prstGeom prst="rect">
+            <a:avLst/>
+          </a:prstGeom>
+          <a:noFill/>
+        </p:spPr>
+        <p:txBody>
+          <a:bodyPr wrap="none" rtlCol="0">
+            <a:spAutoFit/>
+          </a:bodyPr>
+          <a:lstStyle/>
+          <a:p>
+            <a:r>
+              <a:rPr kumimoji="1" lang="ja-JP" altLang="en-US" dirty="0"/>
+              <a:t>どの作品を選ぶ？</a:t>
+            </a:r>
+            <a:endParaRPr kumimoji="1" lang="en-US" altLang="ja-JP" dirty="0"/>
+          </a:p>
+          <a:p>
+            <a:pPr marL="342900" indent="-342900">
+              <a:buFont typeface="+mj-lt"/>
+              <a:buAutoNum type="arabicPeriod"/>
+            </a:pPr>
+            <a:r>
+              <a:rPr lang="en-US" altLang="ja-JP" dirty="0" err="1"/>
+              <a:t>Pl&amp;Pr</a:t>
+            </a:r>
+            <a:r>
+              <a:rPr lang="ja-JP" altLang="en-US" dirty="0"/>
+              <a:t>で携わった作品</a:t>
+            </a:r>
+            <a:endParaRPr lang="en-US" altLang="ja-JP" dirty="0"/>
+          </a:p>
+          <a:p>
+            <a:pPr marL="800100" lvl="1" indent="-342900">
+              <a:buFont typeface="+mj-lt"/>
+              <a:buAutoNum type="arabicPeriod"/>
+            </a:pPr>
+            <a:r>
+              <a:rPr lang="ja-JP" altLang="en-US" dirty="0"/>
+              <a:t>ほぼすべて</a:t>
+            </a:r>
+            <a:endParaRPr lang="en-US" altLang="ja-JP" dirty="0"/>
+          </a:p>
+          <a:p>
+            <a:pPr marL="800100" lvl="1" indent="-342900">
+              <a:buFont typeface="+mj-lt"/>
+              <a:buAutoNum type="arabicPeriod"/>
+            </a:pPr>
+            <a:r>
+              <a:rPr lang="ja-JP" altLang="en-US" dirty="0"/>
+              <a:t>コミュニケーションの例？</a:t>
+            </a:r>
+            <a:endParaRPr lang="en-US" altLang="ja-JP" dirty="0"/>
+          </a:p>
+          <a:p>
+            <a:pPr marL="1257300" lvl="2" indent="-342900">
+              <a:buFont typeface="+mj-lt"/>
+              <a:buAutoNum type="arabicPeriod"/>
+            </a:pPr>
+            <a:r>
+              <a:rPr lang="ja-JP" altLang="en-US" dirty="0"/>
+              <a:t>どんなの？資料は？</a:t>
+            </a:r>
+            <a:endParaRPr lang="en-US" altLang="ja-JP" dirty="0"/>
+          </a:p>
+          <a:p>
+            <a:pPr marL="342900" indent="-342900">
+              <a:buFont typeface="+mj-lt"/>
+              <a:buAutoNum type="arabicPeriod"/>
+            </a:pPr>
+            <a:r>
+              <a:rPr lang="ja-JP" altLang="en-US" dirty="0"/>
+              <a:t>研究熱心</a:t>
+            </a:r>
+            <a:endParaRPr lang="en-US" altLang="ja-JP" dirty="0"/>
+          </a:p>
+          <a:p>
+            <a:pPr marL="800100" lvl="1" indent="-342900">
+              <a:buFont typeface="+mj-lt"/>
+              <a:buAutoNum type="arabicPeriod"/>
+            </a:pPr>
+            <a:r>
+              <a:rPr lang="ja-JP" altLang="en-US" dirty="0"/>
+              <a:t>制作中のクソゲー集</a:t>
+            </a:r>
+            <a:endParaRPr lang="en-US" altLang="ja-JP" dirty="0"/>
+          </a:p>
+          <a:p>
+            <a:pPr marL="342900" indent="-342900">
+              <a:buFont typeface="+mj-lt"/>
+              <a:buAutoNum type="arabicPeriod"/>
+            </a:pPr>
+            <a:r>
+              <a:rPr lang="ja-JP" altLang="en-US" dirty="0"/>
+              <a:t>面白いに対する追及と割り切り</a:t>
+            </a:r>
+            <a:endParaRPr lang="en-US" altLang="ja-JP" dirty="0"/>
+          </a:p>
+          <a:p>
+            <a:pPr marL="800100" lvl="1" indent="-342900">
+              <a:buFont typeface="+mj-lt"/>
+              <a:buAutoNum type="arabicPeriod"/>
+            </a:pPr>
+            <a:r>
+              <a:rPr lang="ja-JP" altLang="en-US" dirty="0"/>
+              <a:t>？</a:t>
+            </a:r>
+            <a:endParaRPr lang="en-US" altLang="ja-JP" dirty="0"/>
+          </a:p>
+        </p:txBody>
+      </p:sp>
+      <p:sp>
+        <p:nvSpPr>
+          <p:cNvPr id="3" name="テキスト ボックス 2">
+            <a:extLst>
+              <a:ext uri="{FF2B5EF4-FFF2-40B4-BE49-F238E27FC236}">
+                <a16:creationId xmlns:a16="http://schemas.microsoft.com/office/drawing/2014/main" id="{36D2AAF2-8DF7-C499-F5EE-7BCDD84B4E4E}"/>
+              </a:ext>
+            </a:extLst>
+          </p:cNvPr>
+          <p:cNvSpPr txBox="1"/>
+          <p:nvPr/>
+        </p:nvSpPr>
+        <p:spPr>
+          <a:xfrm>
+            <a:off x="451404" y="3920341"/>
+            <a:ext cx="5552660" cy="1200329"/>
+          </a:xfrm>
+          <a:prstGeom prst="rect">
+            <a:avLst/>
+          </a:prstGeom>
+          <a:noFill/>
+        </p:spPr>
+        <p:txBody>
+          <a:bodyPr wrap="square" rtlCol="0">
+            <a:spAutoFit/>
+          </a:bodyPr>
+          <a:lstStyle/>
+          <a:p>
+            <a:pPr marL="342900" indent="-342900">
+              <a:buFont typeface="+mj-lt"/>
+              <a:buAutoNum type="arabicPeriod"/>
+            </a:pPr>
+            <a:r>
+              <a:rPr lang="ja-JP" altLang="en-US" dirty="0"/>
+              <a:t>負けず嫌い</a:t>
+            </a:r>
+            <a:endParaRPr lang="en-US" altLang="ja-JP" dirty="0"/>
+          </a:p>
+          <a:p>
+            <a:pPr marL="342900" indent="-342900">
+              <a:buFont typeface="+mj-lt"/>
+              <a:buAutoNum type="arabicPeriod"/>
+            </a:pPr>
+            <a:r>
+              <a:rPr kumimoji="1" lang="ja-JP" altLang="en-US" dirty="0"/>
+              <a:t>研究熱心</a:t>
+            </a:r>
+            <a:endParaRPr kumimoji="1" lang="en-US" altLang="ja-JP" dirty="0"/>
+          </a:p>
+          <a:p>
+            <a:pPr marL="342900" indent="-342900">
+              <a:buFont typeface="+mj-lt"/>
+              <a:buAutoNum type="arabicPeriod"/>
+            </a:pPr>
+            <a:r>
+              <a:rPr lang="ja-JP" altLang="en-US" dirty="0"/>
+              <a:t>再現性</a:t>
+            </a:r>
+            <a:r>
+              <a:rPr lang="en-US" altLang="ja-JP" dirty="0"/>
+              <a:t>(</a:t>
+            </a:r>
+            <a:r>
+              <a:rPr lang="ja-JP" altLang="en-US" dirty="0"/>
+              <a:t>理論で色々考えて面白いモノを複数作る</a:t>
+            </a:r>
+            <a:r>
+              <a:rPr lang="en-US" altLang="ja-JP" dirty="0"/>
+              <a:t>)</a:t>
+            </a:r>
+          </a:p>
+          <a:p>
+            <a:pPr marL="342900" indent="-342900">
+              <a:buFont typeface="+mj-lt"/>
+              <a:buAutoNum type="arabicPeriod"/>
+            </a:pPr>
+            <a:r>
+              <a:rPr kumimoji="1" lang="en-US" altLang="ja-JP" dirty="0"/>
+              <a:t>Pl</a:t>
+            </a:r>
+            <a:r>
+              <a:rPr kumimoji="1" lang="ja-JP" altLang="en-US" dirty="0"/>
+              <a:t>ができる</a:t>
+            </a:r>
+            <a:r>
+              <a:rPr kumimoji="1" lang="en-US" altLang="ja-JP" dirty="0" err="1"/>
+              <a:t>Pr</a:t>
+            </a:r>
+            <a:r>
+              <a:rPr kumimoji="1" lang="en-US" altLang="ja-JP" dirty="0"/>
+              <a:t>(</a:t>
+            </a:r>
+            <a:r>
+              <a:rPr kumimoji="1" lang="ja-JP" altLang="en-US" dirty="0"/>
+              <a:t>実際にやりやすい言われた</a:t>
+            </a:r>
+            <a:r>
+              <a:rPr kumimoji="1" lang="en-US" altLang="ja-JP" dirty="0"/>
+              <a:t>)</a:t>
             </a:r>
             <a:endParaRPr kumimoji="1" lang="ja-JP" altLang="en-US" dirty="0"/>
           </a:p>

--- a/サイト設計図.pptx
+++ b/サイト設計図.pptx
@@ -454,7 +454,7 @@
           <a:p>
             <a:fld id="{40C1427B-F86A-466B-9FE2-3CFBE877D76D}" type="datetimeFigureOut">
               <a:rPr kumimoji="1" lang="ja-JP" altLang="en-US" smtClean="0"/>
-              <a:t>2023/2/24</a:t>
+              <a:t>2023/3/17</a:t>
             </a:fld>
             <a:endParaRPr kumimoji="1" lang="ja-JP" altLang="en-US"/>
           </a:p>
@@ -3681,6 +3681,69 @@
             <a:r>
               <a:rPr kumimoji="1" lang="ja-JP" altLang="en-US" dirty="0"/>
               <a:t>反省点</a:t>
+            </a:r>
+          </a:p>
+        </p:txBody>
+      </p:sp>
+      <p:sp>
+        <p:nvSpPr>
+          <p:cNvPr id="6" name="正方形/長方形 5">
+            <a:extLst>
+              <a:ext uri="{FF2B5EF4-FFF2-40B4-BE49-F238E27FC236}">
+                <a16:creationId xmlns:a16="http://schemas.microsoft.com/office/drawing/2014/main" id="{B41DB181-D6BC-BD80-2994-5460A77B609B}"/>
+              </a:ext>
+            </a:extLst>
+          </p:cNvPr>
+          <p:cNvSpPr/>
+          <p:nvPr/>
+        </p:nvSpPr>
+        <p:spPr>
+          <a:xfrm>
+            <a:off x="6824870" y="2219739"/>
+            <a:ext cx="4684643" cy="2239618"/>
+          </a:xfrm>
+          <a:prstGeom prst="rect">
+            <a:avLst/>
+          </a:prstGeom>
+          <a:solidFill>
+            <a:schemeClr val="bg1">
+              <a:lumMod val="85000"/>
+            </a:schemeClr>
+          </a:solidFill>
+          <a:ln>
+            <a:solidFill>
+              <a:schemeClr val="tx1"/>
+            </a:solidFill>
+          </a:ln>
+        </p:spPr>
+        <p:style>
+          <a:lnRef idx="2">
+            <a:schemeClr val="accent1">
+              <a:shade val="50000"/>
+            </a:schemeClr>
+          </a:lnRef>
+          <a:fillRef idx="1">
+            <a:schemeClr val="accent1"/>
+          </a:fillRef>
+          <a:effectRef idx="0">
+            <a:schemeClr val="accent1"/>
+          </a:effectRef>
+          <a:fontRef idx="minor">
+            <a:schemeClr val="lt1"/>
+          </a:fontRef>
+        </p:style>
+        <p:txBody>
+          <a:bodyPr rtlCol="0" anchor="ctr"/>
+          <a:lstStyle/>
+          <a:p>
+            <a:pPr algn="ctr"/>
+            <a:r>
+              <a:rPr kumimoji="1" lang="ja-JP" altLang="en-US" dirty="0">
+                <a:solidFill>
+                  <a:schemeClr val="tx1"/>
+                </a:solidFill>
+              </a:rPr>
+              <a:t>企画書</a:t>
             </a:r>
           </a:p>
         </p:txBody>
